--- a/Document/Project Report Term 1/term1presentation-draft2.pptx
+++ b/Document/Project Report Term 1/term1presentation-draft2.pptx
@@ -5,7 +5,7 @@
     <p:sldMasterId id="2147483660" r:id="rId1"/>
   </p:sldMasterIdLst>
   <p:notesMasterIdLst>
-    <p:notesMasterId r:id="rId33"/>
+    <p:notesMasterId r:id="rId34"/>
   </p:notesMasterIdLst>
   <p:sldIdLst>
     <p:sldId id="256" r:id="rId2"/>
@@ -27,18 +27,19 @@
     <p:sldId id="257" r:id="rId18"/>
     <p:sldId id="265" r:id="rId19"/>
     <p:sldId id="266" r:id="rId20"/>
-    <p:sldId id="267" r:id="rId21"/>
-    <p:sldId id="272" r:id="rId22"/>
-    <p:sldId id="263" r:id="rId23"/>
-    <p:sldId id="264" r:id="rId24"/>
-    <p:sldId id="289" r:id="rId25"/>
-    <p:sldId id="290" r:id="rId26"/>
-    <p:sldId id="259" r:id="rId27"/>
-    <p:sldId id="261" r:id="rId28"/>
-    <p:sldId id="287" r:id="rId29"/>
-    <p:sldId id="269" r:id="rId30"/>
-    <p:sldId id="270" r:id="rId31"/>
-    <p:sldId id="268" r:id="rId32"/>
+    <p:sldId id="272" r:id="rId21"/>
+    <p:sldId id="263" r:id="rId22"/>
+    <p:sldId id="264" r:id="rId23"/>
+    <p:sldId id="289" r:id="rId24"/>
+    <p:sldId id="290" r:id="rId25"/>
+    <p:sldId id="259" r:id="rId26"/>
+    <p:sldId id="261" r:id="rId27"/>
+    <p:sldId id="287" r:id="rId28"/>
+    <p:sldId id="291" r:id="rId29"/>
+    <p:sldId id="292" r:id="rId30"/>
+    <p:sldId id="269" r:id="rId31"/>
+    <p:sldId id="270" r:id="rId32"/>
+    <p:sldId id="268" r:id="rId33"/>
   </p:sldIdLst>
   <p:sldSz cx="12192000" cy="6858000"/>
   <p:notesSz cx="6858000" cy="9144000"/>
@@ -227,7 +228,7 @@
           <a:p>
             <a:fld id="{FF43BE9A-5FA7-4709-B6F6-378838929266}" type="datetimeFigureOut">
               <a:rPr lang="th-TH" smtClean="0"/>
-              <a:t>05/12/59</a:t>
+              <a:t>07/12/59</a:t>
             </a:fld>
             <a:endParaRPr lang="th-TH"/>
           </a:p>
@@ -1065,7 +1066,7 @@
           <a:p>
             <a:fld id="{31C2BF32-05A6-4076-93CB-F7D89966FB3F}" type="datetimeFigureOut">
               <a:rPr lang="th-TH" smtClean="0"/>
-              <a:t>05/12/59</a:t>
+              <a:t>07/12/59</a:t>
             </a:fld>
             <a:endParaRPr lang="th-TH"/>
           </a:p>
@@ -1399,7 +1400,7 @@
           <a:p>
             <a:fld id="{31C2BF32-05A6-4076-93CB-F7D89966FB3F}" type="datetimeFigureOut">
               <a:rPr lang="th-TH" smtClean="0"/>
-              <a:t>05/12/59</a:t>
+              <a:t>07/12/59</a:t>
             </a:fld>
             <a:endParaRPr lang="th-TH"/>
           </a:p>
@@ -1677,7 +1678,7 @@
           <a:p>
             <a:fld id="{31C2BF32-05A6-4076-93CB-F7D89966FB3F}" type="datetimeFigureOut">
               <a:rPr lang="th-TH" smtClean="0"/>
-              <a:t>05/12/59</a:t>
+              <a:t>07/12/59</a:t>
             </a:fld>
             <a:endParaRPr lang="th-TH"/>
           </a:p>
@@ -2245,7 +2246,7 @@
           <a:p>
             <a:fld id="{31C2BF32-05A6-4076-93CB-F7D89966FB3F}" type="datetimeFigureOut">
               <a:rPr lang="th-TH" smtClean="0"/>
-              <a:t>05/12/59</a:t>
+              <a:t>07/12/59</a:t>
             </a:fld>
             <a:endParaRPr lang="th-TH"/>
           </a:p>
@@ -2523,7 +2524,7 @@
           <a:p>
             <a:fld id="{31C2BF32-05A6-4076-93CB-F7D89966FB3F}" type="datetimeFigureOut">
               <a:rPr lang="th-TH" smtClean="0"/>
-              <a:t>05/12/59</a:t>
+              <a:t>07/12/59</a:t>
             </a:fld>
             <a:endParaRPr lang="th-TH"/>
           </a:p>
@@ -3085,7 +3086,7 @@
           <a:p>
             <a:fld id="{31C2BF32-05A6-4076-93CB-F7D89966FB3F}" type="datetimeFigureOut">
               <a:rPr lang="th-TH" smtClean="0"/>
-              <a:t>05/12/59</a:t>
+              <a:t>07/12/59</a:t>
             </a:fld>
             <a:endParaRPr lang="th-TH"/>
           </a:p>
@@ -3412,7 +3413,7 @@
           <a:p>
             <a:fld id="{31C2BF32-05A6-4076-93CB-F7D89966FB3F}" type="datetimeFigureOut">
               <a:rPr lang="th-TH" smtClean="0"/>
-              <a:t>05/12/59</a:t>
+              <a:t>07/12/59</a:t>
             </a:fld>
             <a:endParaRPr lang="th-TH"/>
           </a:p>
@@ -3589,7 +3590,7 @@
           <a:p>
             <a:fld id="{31C2BF32-05A6-4076-93CB-F7D89966FB3F}" type="datetimeFigureOut">
               <a:rPr lang="th-TH" smtClean="0"/>
-              <a:t>05/12/59</a:t>
+              <a:t>07/12/59</a:t>
             </a:fld>
             <a:endParaRPr lang="th-TH"/>
           </a:p>
@@ -3827,7 +3828,7 @@
           <a:p>
             <a:fld id="{31C2BF32-05A6-4076-93CB-F7D89966FB3F}" type="datetimeFigureOut">
               <a:rPr lang="th-TH" smtClean="0"/>
-              <a:t>05/12/59</a:t>
+              <a:t>07/12/59</a:t>
             </a:fld>
             <a:endParaRPr lang="th-TH"/>
           </a:p>
@@ -4027,7 +4028,7 @@
           <a:p>
             <a:fld id="{31C2BF32-05A6-4076-93CB-F7D89966FB3F}" type="datetimeFigureOut">
               <a:rPr lang="th-TH" smtClean="0"/>
-              <a:t>05/12/59</a:t>
+              <a:t>07/12/59</a:t>
             </a:fld>
             <a:endParaRPr lang="th-TH"/>
           </a:p>
@@ -4303,7 +4304,7 @@
           <a:p>
             <a:fld id="{31C2BF32-05A6-4076-93CB-F7D89966FB3F}" type="datetimeFigureOut">
               <a:rPr lang="th-TH" smtClean="0"/>
-              <a:t>05/12/59</a:t>
+              <a:t>07/12/59</a:t>
             </a:fld>
             <a:endParaRPr lang="th-TH"/>
           </a:p>
@@ -4569,7 +4570,7 @@
           <a:p>
             <a:fld id="{31C2BF32-05A6-4076-93CB-F7D89966FB3F}" type="datetimeFigureOut">
               <a:rPr lang="th-TH" smtClean="0"/>
-              <a:t>05/12/59</a:t>
+              <a:t>07/12/59</a:t>
             </a:fld>
             <a:endParaRPr lang="th-TH"/>
           </a:p>
@@ -4943,7 +4944,7 @@
           <a:p>
             <a:fld id="{31C2BF32-05A6-4076-93CB-F7D89966FB3F}" type="datetimeFigureOut">
               <a:rPr lang="th-TH" smtClean="0"/>
-              <a:t>05/12/59</a:t>
+              <a:t>07/12/59</a:t>
             </a:fld>
             <a:endParaRPr lang="th-TH"/>
           </a:p>
@@ -5091,7 +5092,7 @@
           <a:p>
             <a:fld id="{31C2BF32-05A6-4076-93CB-F7D89966FB3F}" type="datetimeFigureOut">
               <a:rPr lang="th-TH" smtClean="0"/>
-              <a:t>05/12/59</a:t>
+              <a:t>07/12/59</a:t>
             </a:fld>
             <a:endParaRPr lang="th-TH"/>
           </a:p>
@@ -5216,7 +5217,7 @@
           <a:p>
             <a:fld id="{31C2BF32-05A6-4076-93CB-F7D89966FB3F}" type="datetimeFigureOut">
               <a:rPr lang="th-TH" smtClean="0"/>
-              <a:t>05/12/59</a:t>
+              <a:t>07/12/59</a:t>
             </a:fld>
             <a:endParaRPr lang="th-TH"/>
           </a:p>
@@ -5501,7 +5502,7 @@
           <a:p>
             <a:fld id="{31C2BF32-05A6-4076-93CB-F7D89966FB3F}" type="datetimeFigureOut">
               <a:rPr lang="th-TH" smtClean="0"/>
-              <a:t>05/12/59</a:t>
+              <a:t>07/12/59</a:t>
             </a:fld>
             <a:endParaRPr lang="th-TH"/>
           </a:p>
@@ -5825,7 +5826,7 @@
           <a:p>
             <a:fld id="{31C2BF32-05A6-4076-93CB-F7D89966FB3F}" type="datetimeFigureOut">
               <a:rPr lang="th-TH" smtClean="0"/>
-              <a:t>05/12/59</a:t>
+              <a:t>07/12/59</a:t>
             </a:fld>
             <a:endParaRPr lang="th-TH"/>
           </a:p>
@@ -6039,7 +6040,7 @@
           <a:p>
             <a:fld id="{31C2BF32-05A6-4076-93CB-F7D89966FB3F}" type="datetimeFigureOut">
               <a:rPr lang="th-TH" smtClean="0"/>
-              <a:t>05/12/59</a:t>
+              <a:t>07/12/59</a:t>
             </a:fld>
             <a:endParaRPr lang="th-TH"/>
           </a:p>
@@ -7174,7 +7175,7 @@
 </file>
 
 <file path=ppt/slides/slide12.xml><?xml version="1.0" encoding="utf-8"?>
-<p:sld xmlns:a="http://schemas.openxmlformats.org/drawingml/2006/main" xmlns:r="http://schemas.openxmlformats.org/officeDocument/2006/relationships" xmlns:p="http://schemas.openxmlformats.org/presentationml/2006/main">
+<p:sld xmlns:a="http://schemas.openxmlformats.org/drawingml/2006/main" xmlns:r="http://schemas.openxmlformats.org/officeDocument/2006/relationships" xmlns:p="http://schemas.openxmlformats.org/presentationml/2006/main" show="0">
   <p:cSld>
     <p:spTree>
       <p:nvGrpSpPr>
@@ -7342,6 +7343,14 @@
   <p:clrMapOvr>
     <a:masterClrMapping/>
   </p:clrMapOvr>
+  <mc:AlternateContent xmlns:mc="http://schemas.openxmlformats.org/markup-compatibility/2006">
+    <mc:Choice xmlns:p14="http://schemas.microsoft.com/office/powerpoint/2010/main" Requires="p14">
+      <p:transition spd="slow" p14:dur="2000"/>
+    </mc:Choice>
+    <mc:Fallback>
+      <p:transition spd="slow"/>
+    </mc:Fallback>
+  </mc:AlternateContent>
 </p:sld>
 </file>
 
@@ -8583,8 +8592,19 @@
                 <a:latin typeface="TH Sarabun New" panose="020B0500040200020003" pitchFamily="34" charset="-34"/>
                 <a:cs typeface="TH Sarabun New" panose="020B0500040200020003" pitchFamily="34" charset="-34"/>
               </a:rPr>
-              <a:t>Thai word segmentation</a:t>
-            </a:r>
+              <a:t>Thai word </a:t>
+            </a:r>
+            <a:r>
+              <a:rPr lang="en-US" sz="3000" b="1" dirty="0" smtClean="0">
+                <a:latin typeface="TH Sarabun New" panose="020B0500040200020003" pitchFamily="34" charset="-34"/>
+                <a:cs typeface="TH Sarabun New" panose="020B0500040200020003" pitchFamily="34" charset="-34"/>
+              </a:rPr>
+              <a:t>segmentation using crowdsourcing</a:t>
+            </a:r>
+            <a:endParaRPr lang="en-US" sz="3000" b="1" dirty="0" smtClean="0">
+              <a:latin typeface="TH Sarabun New" panose="020B0500040200020003" pitchFamily="34" charset="-34"/>
+              <a:cs typeface="TH Sarabun New" panose="020B0500040200020003" pitchFamily="34" charset="-34"/>
+            </a:endParaRPr>
           </a:p>
         </p:txBody>
       </p:sp>
@@ -8639,7 +8659,11 @@
             </a:r>
             <a:r>
               <a:rPr lang="en-US" sz="4500" dirty="0" smtClean="0"/>
-              <a:t>module (preprocess)</a:t>
+              <a:t>module </a:t>
+            </a:r>
+            <a:r>
+              <a:rPr lang="en-US" sz="4500" dirty="0" smtClean="0"/>
+              <a:t>(classification)</a:t>
             </a:r>
             <a:endParaRPr lang="th-TH" dirty="0"/>
           </a:p>
@@ -8655,7 +8679,12 @@
             <p:ph idx="1"/>
           </p:nvPr>
         </p:nvSpPr>
-        <p:spPr/>
+        <p:spPr>
+          <a:xfrm>
+            <a:off x="685800" y="1869112"/>
+            <a:ext cx="10131425" cy="3649133"/>
+          </a:xfrm>
+        </p:spPr>
         <p:txBody>
           <a:bodyPr>
             <a:normAutofit/>
@@ -8687,6 +8716,24 @@
               </a:rPr>
               <a:t>Word2Vec </a:t>
             </a:r>
+            <a:r>
+              <a:rPr lang="en-US" sz="3000" dirty="0" smtClean="0">
+                <a:latin typeface="TH Sarabun New" panose="020B0500040200020003" pitchFamily="34" charset="-34"/>
+                <a:cs typeface="TH Sarabun New" panose="020B0500040200020003" pitchFamily="34" charset="-34"/>
+              </a:rPr>
+              <a:t>,Count </a:t>
+            </a:r>
+            <a:r>
+              <a:rPr lang="en-US" sz="3000" dirty="0" err="1" smtClean="0">
+                <a:latin typeface="TH Sarabun New" panose="020B0500040200020003" pitchFamily="34" charset="-34"/>
+                <a:cs typeface="TH Sarabun New" panose="020B0500040200020003" pitchFamily="34" charset="-34"/>
+              </a:rPr>
+              <a:t>Vectorizer</a:t>
+            </a:r>
+            <a:endParaRPr lang="en-US" sz="3000" dirty="0" smtClean="0">
+              <a:latin typeface="TH Sarabun New" panose="020B0500040200020003" pitchFamily="34" charset="-34"/>
+              <a:cs typeface="TH Sarabun New" panose="020B0500040200020003" pitchFamily="34" charset="-34"/>
+            </a:endParaRPr>
           </a:p>
           <a:p>
             <a:pPr marL="742950" lvl="2"/>
@@ -8699,8 +8746,33 @@
             </a:r>
           </a:p>
           <a:p>
+            <a:pPr marL="285750" lvl="1"/>
+            <a:r>
+              <a:rPr lang="en-US" sz="3200" dirty="0">
+                <a:latin typeface="TH Sarabun New" panose="020B0500040200020003" pitchFamily="34" charset="-34"/>
+                <a:cs typeface="TH Sarabun New" panose="020B0500040200020003" pitchFamily="34" charset="-34"/>
+              </a:rPr>
+              <a:t>Classification model</a:t>
+            </a:r>
+            <a:endParaRPr lang="en-US" dirty="0"/>
+          </a:p>
+          <a:p>
             <a:pPr marL="742950" lvl="2"/>
-            <a:endParaRPr lang="th-TH" sz="3000" dirty="0">
+            <a:r>
+              <a:rPr lang="en-US" sz="3200" dirty="0">
+                <a:latin typeface="TH Sarabun New" panose="020B0500040200020003" pitchFamily="34" charset="-34"/>
+                <a:cs typeface="TH Sarabun New" panose="020B0500040200020003" pitchFamily="34" charset="-34"/>
+              </a:rPr>
+              <a:t>Spark </a:t>
+            </a:r>
+            <a:r>
+              <a:rPr lang="en-US" sz="3200" dirty="0" smtClean="0">
+                <a:latin typeface="TH Sarabun New" panose="020B0500040200020003" pitchFamily="34" charset="-34"/>
+                <a:cs typeface="TH Sarabun New" panose="020B0500040200020003" pitchFamily="34" charset="-34"/>
+              </a:rPr>
+              <a:t>ML</a:t>
+            </a:r>
+            <a:endParaRPr lang="en-US" sz="3200" dirty="0">
               <a:latin typeface="TH Sarabun New" panose="020B0500040200020003" pitchFamily="34" charset="-34"/>
               <a:cs typeface="TH Sarabun New" panose="020B0500040200020003" pitchFamily="34" charset="-34"/>
             </a:endParaRPr>
@@ -8987,18 +9059,16 @@
         </p:nvSpPr>
         <p:spPr/>
         <p:txBody>
-          <a:bodyPr/>
+          <a:bodyPr>
+            <a:normAutofit/>
+          </a:bodyPr>
           <a:lstStyle/>
           <a:p>
             <a:r>
-              <a:rPr lang="en-US" sz="4500" dirty="0"/>
-              <a:t>Project </a:t>
-            </a:r>
-            <a:r>
               <a:rPr lang="en-US" sz="4500" dirty="0" smtClean="0"/>
-              <a:t>module (classification)</a:t>
-            </a:r>
-            <a:endParaRPr lang="th-TH" dirty="0"/>
+              <a:t>Project module (web)</a:t>
+            </a:r>
+            <a:endParaRPr lang="th-TH" sz="4500" dirty="0"/>
           </a:p>
         </p:txBody>
       </p:sp>
@@ -9014,193 +9084,122 @@
         </p:nvSpPr>
         <p:spPr>
           <a:xfrm>
-            <a:off x="685801" y="1815921"/>
-            <a:ext cx="10131425" cy="4842456"/>
+            <a:off x="685800" y="2490870"/>
+            <a:ext cx="10131425" cy="4129825"/>
           </a:xfrm>
         </p:spPr>
         <p:txBody>
           <a:bodyPr>
-            <a:normAutofit lnSpcReduction="10000"/>
+            <a:noAutofit/>
           </a:bodyPr>
           <a:lstStyle/>
           <a:p>
-            <a:pPr marL="285750" lvl="1"/>
             <a:r>
               <a:rPr lang="en-US" sz="3200" dirty="0">
                 <a:latin typeface="TH Sarabun New" panose="020B0500040200020003" pitchFamily="34" charset="-34"/>
                 <a:cs typeface="TH Sarabun New" panose="020B0500040200020003" pitchFamily="34" charset="-34"/>
               </a:rPr>
-              <a:t>Classification </a:t>
+              <a:t>Web application for </a:t>
             </a:r>
             <a:r>
               <a:rPr lang="en-US" sz="3200" dirty="0" smtClean="0">
                 <a:latin typeface="TH Sarabun New" panose="020B0500040200020003" pitchFamily="34" charset="-34"/>
                 <a:cs typeface="TH Sarabun New" panose="020B0500040200020003" pitchFamily="34" charset="-34"/>
               </a:rPr>
-              <a:t>model</a:t>
-            </a:r>
-            <a:endParaRPr lang="en-US" dirty="0" smtClean="0"/>
-          </a:p>
-          <a:p>
-            <a:pPr marL="742950" lvl="2"/>
-            <a:r>
-              <a:rPr lang="en-US" sz="3200" dirty="0">
-                <a:latin typeface="TH Sarabun New" panose="020B0500040200020003" pitchFamily="34" charset="-34"/>
-                <a:cs typeface="TH Sarabun New" panose="020B0500040200020003" pitchFamily="34" charset="-34"/>
-              </a:rPr>
-              <a:t>Supervised Latent </a:t>
-            </a:r>
-            <a:r>
-              <a:rPr lang="en-US" sz="3200" dirty="0" err="1">
-                <a:latin typeface="TH Sarabun New" panose="020B0500040200020003" pitchFamily="34" charset="-34"/>
-                <a:cs typeface="TH Sarabun New" panose="020B0500040200020003" pitchFamily="34" charset="-34"/>
-              </a:rPr>
-              <a:t>Dirichlet</a:t>
-            </a:r>
-            <a:r>
-              <a:rPr lang="en-US" sz="3200" dirty="0">
-                <a:latin typeface="TH Sarabun New" panose="020B0500040200020003" pitchFamily="34" charset="-34"/>
-                <a:cs typeface="TH Sarabun New" panose="020B0500040200020003" pitchFamily="34" charset="-34"/>
-              </a:rPr>
-              <a:t> Allocation (SLDA) </a:t>
-            </a:r>
-            <a:endParaRPr lang="en-US" sz="3200" dirty="0" smtClean="0">
+              <a:t>teachers/users</a:t>
+            </a:r>
+            <a:endParaRPr lang="en-US" sz="3200" dirty="0">
               <a:latin typeface="TH Sarabun New" panose="020B0500040200020003" pitchFamily="34" charset="-34"/>
               <a:cs typeface="TH Sarabun New" panose="020B0500040200020003" pitchFamily="34" charset="-34"/>
             </a:endParaRPr>
           </a:p>
           <a:p>
-            <a:pPr marL="742950" lvl="2"/>
+            <a:pPr lvl="1"/>
             <a:r>
               <a:rPr lang="en-US" sz="3200" dirty="0" smtClean="0">
                 <a:latin typeface="TH Sarabun New" panose="020B0500040200020003" pitchFamily="34" charset="-34"/>
                 <a:cs typeface="TH Sarabun New" panose="020B0500040200020003" pitchFamily="34" charset="-34"/>
               </a:rPr>
-              <a:t>Support </a:t>
+              <a:t>Web server/database setup</a:t>
+            </a:r>
+          </a:p>
+          <a:p>
+            <a:pPr lvl="1"/>
+            <a:r>
+              <a:rPr lang="en-US" sz="3200" dirty="0" smtClean="0">
+                <a:latin typeface="TH Sarabun New" panose="020B0500040200020003" pitchFamily="34" charset="-34"/>
+                <a:cs typeface="TH Sarabun New" panose="020B0500040200020003" pitchFamily="34" charset="-34"/>
+              </a:rPr>
+              <a:t>Website for teachers</a:t>
+            </a:r>
+          </a:p>
+          <a:p>
+            <a:pPr lvl="2"/>
+            <a:r>
+              <a:rPr lang="en-US" sz="3200" dirty="0" smtClean="0">
+                <a:latin typeface="TH Sarabun New" panose="020B0500040200020003" pitchFamily="34" charset="-34"/>
+                <a:cs typeface="TH Sarabun New" panose="020B0500040200020003" pitchFamily="34" charset="-34"/>
+              </a:rPr>
+              <a:t>Upload documents with tags</a:t>
+            </a:r>
+          </a:p>
+          <a:p>
+            <a:pPr lvl="1"/>
+            <a:r>
+              <a:rPr lang="en-US" sz="3200" dirty="0" smtClean="0">
+                <a:latin typeface="TH Sarabun New" panose="020B0500040200020003" pitchFamily="34" charset="-34"/>
+                <a:cs typeface="TH Sarabun New" panose="020B0500040200020003" pitchFamily="34" charset="-34"/>
+              </a:rPr>
+              <a:t>Website for users</a:t>
+            </a:r>
+          </a:p>
+          <a:p>
+            <a:pPr lvl="2"/>
+            <a:r>
+              <a:rPr lang="en-US" sz="3200" dirty="0" smtClean="0">
+                <a:latin typeface="TH Sarabun New" panose="020B0500040200020003" pitchFamily="34" charset="-34"/>
+                <a:cs typeface="TH Sarabun New" panose="020B0500040200020003" pitchFamily="34" charset="-34"/>
+              </a:rPr>
+              <a:t>Upload documents without tags</a:t>
+            </a:r>
+          </a:p>
+          <a:p>
+            <a:pPr lvl="2"/>
+            <a:r>
+              <a:rPr lang="en-US" sz="3200" dirty="0" smtClean="0">
+                <a:latin typeface="TH Sarabun New" panose="020B0500040200020003" pitchFamily="34" charset="-34"/>
+                <a:cs typeface="TH Sarabun New" panose="020B0500040200020003" pitchFamily="34" charset="-34"/>
+              </a:rPr>
+              <a:t>Searching </a:t>
             </a:r>
             <a:r>
               <a:rPr lang="en-US" sz="3200" dirty="0">
                 <a:latin typeface="TH Sarabun New" panose="020B0500040200020003" pitchFamily="34" charset="-34"/>
                 <a:cs typeface="TH Sarabun New" panose="020B0500040200020003" pitchFamily="34" charset="-34"/>
               </a:rPr>
-              <a:t>Vector Machines (SVM) </a:t>
-            </a:r>
-            <a:endParaRPr lang="en-US" sz="3200" dirty="0" smtClean="0">
+              <a:t>documents from </a:t>
+            </a:r>
+            <a:r>
+              <a:rPr lang="en-US" sz="3200" dirty="0" smtClean="0">
+                <a:latin typeface="TH Sarabun New" panose="020B0500040200020003" pitchFamily="34" charset="-34"/>
+                <a:cs typeface="TH Sarabun New" panose="020B0500040200020003" pitchFamily="34" charset="-34"/>
+              </a:rPr>
+              <a:t>categories</a:t>
+            </a:r>
+            <a:endParaRPr lang="en-US" sz="3200" dirty="0">
               <a:latin typeface="TH Sarabun New" panose="020B0500040200020003" pitchFamily="34" charset="-34"/>
               <a:cs typeface="TH Sarabun New" panose="020B0500040200020003" pitchFamily="34" charset="-34"/>
             </a:endParaRPr>
           </a:p>
           <a:p>
-            <a:pPr marL="742950" lvl="2"/>
-            <a:r>
-              <a:rPr lang="en-US" sz="3200" dirty="0" smtClean="0">
-                <a:latin typeface="TH Sarabun New" panose="020B0500040200020003" pitchFamily="34" charset="-34"/>
-                <a:cs typeface="TH Sarabun New" panose="020B0500040200020003" pitchFamily="34" charset="-34"/>
-              </a:rPr>
-              <a:t>Multinomial </a:t>
-            </a:r>
-            <a:r>
-              <a:rPr lang="en-US" sz="3200" dirty="0">
-                <a:latin typeface="TH Sarabun New" panose="020B0500040200020003" pitchFamily="34" charset="-34"/>
-                <a:cs typeface="TH Sarabun New" panose="020B0500040200020003" pitchFamily="34" charset="-34"/>
-              </a:rPr>
-              <a:t>Logistic Regression (maximum entropy) </a:t>
-            </a:r>
-            <a:endParaRPr lang="en-US" sz="3200" dirty="0" smtClean="0">
-              <a:latin typeface="TH Sarabun New" panose="020B0500040200020003" pitchFamily="34" charset="-34"/>
-              <a:cs typeface="TH Sarabun New" panose="020B0500040200020003" pitchFamily="34" charset="-34"/>
-            </a:endParaRPr>
-          </a:p>
-          <a:p>
-            <a:pPr marL="742950" lvl="2"/>
-            <a:r>
-              <a:rPr lang="en-US" sz="3200" dirty="0" smtClean="0">
-                <a:latin typeface="TH Sarabun New" panose="020B0500040200020003" pitchFamily="34" charset="-34"/>
-                <a:cs typeface="TH Sarabun New" panose="020B0500040200020003" pitchFamily="34" charset="-34"/>
-              </a:rPr>
-              <a:t>Naive </a:t>
-            </a:r>
-            <a:r>
-              <a:rPr lang="en-US" sz="3200" dirty="0">
-                <a:latin typeface="TH Sarabun New" panose="020B0500040200020003" pitchFamily="34" charset="-34"/>
-                <a:cs typeface="TH Sarabun New" panose="020B0500040200020003" pitchFamily="34" charset="-34"/>
-              </a:rPr>
-              <a:t>Bayes (multinomial NB) </a:t>
-            </a:r>
-            <a:endParaRPr lang="en-US" sz="3200" dirty="0" smtClean="0">
-              <a:latin typeface="TH Sarabun New" panose="020B0500040200020003" pitchFamily="34" charset="-34"/>
-              <a:cs typeface="TH Sarabun New" panose="020B0500040200020003" pitchFamily="34" charset="-34"/>
-            </a:endParaRPr>
-          </a:p>
-          <a:p>
-            <a:pPr marL="742950" lvl="2"/>
-            <a:r>
-              <a:rPr lang="en-US" sz="3200" dirty="0" smtClean="0">
-                <a:latin typeface="TH Sarabun New" panose="020B0500040200020003" pitchFamily="34" charset="-34"/>
-                <a:cs typeface="TH Sarabun New" panose="020B0500040200020003" pitchFamily="34" charset="-34"/>
-              </a:rPr>
-              <a:t>Neural </a:t>
-            </a:r>
-            <a:r>
-              <a:rPr lang="en-US" sz="3200" dirty="0">
-                <a:latin typeface="TH Sarabun New" panose="020B0500040200020003" pitchFamily="34" charset="-34"/>
-                <a:cs typeface="TH Sarabun New" panose="020B0500040200020003" pitchFamily="34" charset="-34"/>
-              </a:rPr>
-              <a:t>Networks </a:t>
-            </a:r>
-            <a:endParaRPr lang="en-US" sz="3200" dirty="0" smtClean="0">
-              <a:latin typeface="TH Sarabun New" panose="020B0500040200020003" pitchFamily="34" charset="-34"/>
-              <a:cs typeface="TH Sarabun New" panose="020B0500040200020003" pitchFamily="34" charset="-34"/>
-            </a:endParaRPr>
-          </a:p>
-          <a:p>
-            <a:pPr marL="742950" lvl="2"/>
-            <a:r>
-              <a:rPr lang="en-US" sz="3200" dirty="0" smtClean="0">
-                <a:latin typeface="TH Sarabun New" panose="020B0500040200020003" pitchFamily="34" charset="-34"/>
-                <a:cs typeface="TH Sarabun New" panose="020B0500040200020003" pitchFamily="34" charset="-34"/>
-              </a:rPr>
-              <a:t>Decision </a:t>
-            </a:r>
-            <a:r>
-              <a:rPr lang="en-US" sz="3200" dirty="0">
-                <a:latin typeface="TH Sarabun New" panose="020B0500040200020003" pitchFamily="34" charset="-34"/>
-                <a:cs typeface="TH Sarabun New" panose="020B0500040200020003" pitchFamily="34" charset="-34"/>
-              </a:rPr>
-              <a:t>Trees </a:t>
-            </a:r>
-            <a:endParaRPr lang="en-US" sz="3200" dirty="0" smtClean="0">
-              <a:latin typeface="TH Sarabun New" panose="020B0500040200020003" pitchFamily="34" charset="-34"/>
-              <a:cs typeface="TH Sarabun New" panose="020B0500040200020003" pitchFamily="34" charset="-34"/>
-            </a:endParaRPr>
-          </a:p>
-          <a:p>
-            <a:pPr marL="742950" lvl="2"/>
-            <a:r>
-              <a:rPr lang="en-US" sz="3200" dirty="0" smtClean="0">
-                <a:latin typeface="TH Sarabun New" panose="020B0500040200020003" pitchFamily="34" charset="-34"/>
-                <a:cs typeface="TH Sarabun New" panose="020B0500040200020003" pitchFamily="34" charset="-34"/>
-              </a:rPr>
-              <a:t>Random </a:t>
-            </a:r>
-            <a:r>
-              <a:rPr lang="en-US" sz="3200" dirty="0">
-                <a:latin typeface="TH Sarabun New" panose="020B0500040200020003" pitchFamily="34" charset="-34"/>
-                <a:cs typeface="TH Sarabun New" panose="020B0500040200020003" pitchFamily="34" charset="-34"/>
-              </a:rPr>
-              <a:t>Forests </a:t>
-            </a:r>
-            <a:endParaRPr lang="en-US" sz="3200" dirty="0" smtClean="0">
-              <a:latin typeface="TH Sarabun New" panose="020B0500040200020003" pitchFamily="34" charset="-34"/>
-              <a:cs typeface="TH Sarabun New" panose="020B0500040200020003" pitchFamily="34" charset="-34"/>
-            </a:endParaRPr>
+            <a:endParaRPr lang="th-TH" sz="3200" dirty="0"/>
           </a:p>
         </p:txBody>
       </p:sp>
     </p:spTree>
     <p:extLst>
       <p:ext uri="{BB962C8B-B14F-4D97-AF65-F5344CB8AC3E}">
-        <p14:creationId xmlns:p14="http://schemas.microsoft.com/office/powerpoint/2010/main" val="3819973111"/>
+        <p14:creationId xmlns:p14="http://schemas.microsoft.com/office/powerpoint/2010/main" val="2308779447"/>
       </p:ext>
     </p:extLst>
   </p:cSld>
@@ -9245,8 +9244,12 @@
           <a:lstStyle/>
           <a:p>
             <a:r>
+              <a:rPr lang="en-US" sz="4500" dirty="0"/>
+              <a:t>Project </a:t>
+            </a:r>
+            <a:r>
               <a:rPr lang="en-US" sz="4500" dirty="0" smtClean="0"/>
-              <a:t>Project module (web)</a:t>
+              <a:t>module (webserver)</a:t>
             </a:r>
             <a:endParaRPr lang="th-TH" sz="4500" dirty="0"/>
           </a:p>
@@ -9262,124 +9265,69 @@
             <p:ph idx="1"/>
           </p:nvPr>
         </p:nvSpPr>
-        <p:spPr>
-          <a:xfrm>
-            <a:off x="685800" y="2490870"/>
-            <a:ext cx="10131425" cy="4129825"/>
-          </a:xfrm>
-        </p:spPr>
-        <p:txBody>
-          <a:bodyPr>
-            <a:noAutofit/>
-          </a:bodyPr>
+        <p:spPr/>
+        <p:txBody>
+          <a:bodyPr/>
           <a:lstStyle/>
           <a:p>
-            <a:r>
-              <a:rPr lang="en-US" sz="3200" dirty="0">
-                <a:latin typeface="TH Sarabun New" panose="020B0500040200020003" pitchFamily="34" charset="-34"/>
-                <a:cs typeface="TH Sarabun New" panose="020B0500040200020003" pitchFamily="34" charset="-34"/>
-              </a:rPr>
-              <a:t>Web application for </a:t>
-            </a:r>
+            <a:pPr marL="285750" lvl="1"/>
             <a:r>
               <a:rPr lang="en-US" sz="3200" dirty="0" smtClean="0">
                 <a:latin typeface="TH Sarabun New" panose="020B0500040200020003" pitchFamily="34" charset="-34"/>
                 <a:cs typeface="TH Sarabun New" panose="020B0500040200020003" pitchFamily="34" charset="-34"/>
               </a:rPr>
-              <a:t>teachers/users</a:t>
-            </a:r>
-            <a:endParaRPr lang="en-US" sz="3200" dirty="0">
-              <a:latin typeface="TH Sarabun New" panose="020B0500040200020003" pitchFamily="34" charset="-34"/>
-              <a:cs typeface="TH Sarabun New" panose="020B0500040200020003" pitchFamily="34" charset="-34"/>
-            </a:endParaRPr>
-          </a:p>
-          <a:p>
-            <a:pPr lvl="1"/>
-            <a:r>
-              <a:rPr lang="en-US" sz="3200" dirty="0" smtClean="0">
-                <a:latin typeface="TH Sarabun New" panose="020B0500040200020003" pitchFamily="34" charset="-34"/>
-                <a:cs typeface="TH Sarabun New" panose="020B0500040200020003" pitchFamily="34" charset="-34"/>
-              </a:rPr>
               <a:t>Web server/database setup</a:t>
             </a:r>
           </a:p>
           <a:p>
-            <a:pPr lvl="1"/>
-            <a:r>
-              <a:rPr lang="en-US" sz="3200" dirty="0" smtClean="0">
-                <a:latin typeface="TH Sarabun New" panose="020B0500040200020003" pitchFamily="34" charset="-34"/>
-                <a:cs typeface="TH Sarabun New" panose="020B0500040200020003" pitchFamily="34" charset="-34"/>
-              </a:rPr>
-              <a:t>Website for teachers</a:t>
-            </a:r>
-          </a:p>
-          <a:p>
-            <a:pPr lvl="2"/>
-            <a:r>
-              <a:rPr lang="en-US" sz="3200" dirty="0" smtClean="0">
-                <a:latin typeface="TH Sarabun New" panose="020B0500040200020003" pitchFamily="34" charset="-34"/>
-                <a:cs typeface="TH Sarabun New" panose="020B0500040200020003" pitchFamily="34" charset="-34"/>
-              </a:rPr>
-              <a:t>Upload documents with tags</a:t>
-            </a:r>
-          </a:p>
-          <a:p>
-            <a:pPr lvl="1"/>
-            <a:r>
-              <a:rPr lang="en-US" sz="3200" dirty="0" smtClean="0">
-                <a:latin typeface="TH Sarabun New" panose="020B0500040200020003" pitchFamily="34" charset="-34"/>
-                <a:cs typeface="TH Sarabun New" panose="020B0500040200020003" pitchFamily="34" charset="-34"/>
-              </a:rPr>
-              <a:t>Website for users</a:t>
-            </a:r>
-          </a:p>
-          <a:p>
-            <a:pPr lvl="2"/>
-            <a:r>
-              <a:rPr lang="en-US" sz="3200" dirty="0" smtClean="0">
-                <a:latin typeface="TH Sarabun New" panose="020B0500040200020003" pitchFamily="34" charset="-34"/>
-                <a:cs typeface="TH Sarabun New" panose="020B0500040200020003" pitchFamily="34" charset="-34"/>
-              </a:rPr>
-              <a:t>Upload documents without tags</a:t>
-            </a:r>
-          </a:p>
-          <a:p>
-            <a:pPr lvl="2"/>
-            <a:r>
-              <a:rPr lang="en-US" sz="3200" dirty="0" smtClean="0">
-                <a:latin typeface="TH Sarabun New" panose="020B0500040200020003" pitchFamily="34" charset="-34"/>
-                <a:cs typeface="TH Sarabun New" panose="020B0500040200020003" pitchFamily="34" charset="-34"/>
-              </a:rPr>
-              <a:t>Searching </a:t>
-            </a:r>
-            <a:r>
-              <a:rPr lang="en-US" sz="3200" dirty="0">
-                <a:latin typeface="TH Sarabun New" panose="020B0500040200020003" pitchFamily="34" charset="-34"/>
-                <a:cs typeface="TH Sarabun New" panose="020B0500040200020003" pitchFamily="34" charset="-34"/>
-              </a:rPr>
-              <a:t>documents from </a:t>
-            </a:r>
-            <a:r>
-              <a:rPr lang="en-US" sz="3200" dirty="0" smtClean="0">
-                <a:latin typeface="TH Sarabun New" panose="020B0500040200020003" pitchFamily="34" charset="-34"/>
-                <a:cs typeface="TH Sarabun New" panose="020B0500040200020003" pitchFamily="34" charset="-34"/>
-              </a:rPr>
-              <a:t>categories</a:t>
-            </a:r>
-            <a:endParaRPr lang="en-US" sz="3200" dirty="0">
-              <a:latin typeface="TH Sarabun New" panose="020B0500040200020003" pitchFamily="34" charset="-34"/>
-              <a:cs typeface="TH Sarabun New" panose="020B0500040200020003" pitchFamily="34" charset="-34"/>
-            </a:endParaRPr>
-          </a:p>
-          <a:p>
-            <a:endParaRPr lang="th-TH" sz="3200" dirty="0"/>
+            <a:pPr marL="742950" lvl="2"/>
+            <a:r>
+              <a:rPr lang="en-US" sz="3000" dirty="0" smtClean="0">
+                <a:latin typeface="TH Sarabun New" panose="020B0500040200020003" pitchFamily="34" charset="-34"/>
+                <a:cs typeface="TH Sarabun New" panose="020B0500040200020003" pitchFamily="34" charset="-34"/>
+              </a:rPr>
+              <a:t>Web server : Azure with Ubuntu 14.04</a:t>
+            </a:r>
+          </a:p>
+          <a:p>
+            <a:pPr marL="1085850" lvl="3"/>
+            <a:r>
+              <a:rPr lang="en-US" sz="2800" dirty="0" smtClean="0">
+                <a:latin typeface="TH Sarabun New" panose="020B0500040200020003" pitchFamily="34" charset="-34"/>
+                <a:cs typeface="TH Sarabun New" panose="020B0500040200020003" pitchFamily="34" charset="-34"/>
+              </a:rPr>
+              <a:t>HTML,PHP</a:t>
+            </a:r>
+          </a:p>
+          <a:p>
+            <a:pPr marL="742950" lvl="2"/>
+            <a:r>
+              <a:rPr lang="en-US" sz="3000" dirty="0" smtClean="0">
+                <a:latin typeface="TH Sarabun New" panose="020B0500040200020003" pitchFamily="34" charset="-34"/>
+                <a:cs typeface="TH Sarabun New" panose="020B0500040200020003" pitchFamily="34" charset="-34"/>
+              </a:rPr>
+              <a:t>Database : Apache Impala (Big data platform RDBMS)</a:t>
+            </a:r>
+          </a:p>
+          <a:p>
+            <a:pPr marL="742950" lvl="2"/>
+            <a:r>
+              <a:rPr lang="en-US" sz="3000" dirty="0" smtClean="0">
+                <a:latin typeface="TH Sarabun New" panose="020B0500040200020003" pitchFamily="34" charset="-34"/>
+                <a:cs typeface="TH Sarabun New" panose="020B0500040200020003" pitchFamily="34" charset="-34"/>
+              </a:rPr>
+              <a:t>Connector : Impala JDBC in Java</a:t>
+            </a:r>
+          </a:p>
+          <a:p>
+            <a:endParaRPr lang="th-TH" dirty="0"/>
           </a:p>
         </p:txBody>
       </p:sp>
     </p:spTree>
     <p:extLst>
       <p:ext uri="{BB962C8B-B14F-4D97-AF65-F5344CB8AC3E}">
-        <p14:creationId xmlns:p14="http://schemas.microsoft.com/office/powerpoint/2010/main" val="2308779447"/>
+        <p14:creationId xmlns:p14="http://schemas.microsoft.com/office/powerpoint/2010/main" val="3740267754"/>
       </p:ext>
     </p:extLst>
   </p:cSld>
@@ -9429,7 +9377,15 @@
             </a:r>
             <a:r>
               <a:rPr lang="en-US" sz="4500" dirty="0" smtClean="0"/>
-              <a:t>module (webserver)</a:t>
+              <a:t>module (web </a:t>
+            </a:r>
+            <a:r>
+              <a:rPr lang="en-US" sz="4500" dirty="0" err="1" smtClean="0"/>
+              <a:t>ui</a:t>
+            </a:r>
+            <a:r>
+              <a:rPr lang="en-US" sz="4500" dirty="0" smtClean="0"/>
+              <a:t>)</a:t>
             </a:r>
             <a:endParaRPr lang="th-TH" sz="4500" dirty="0"/>
           </a:p>
@@ -9447,67 +9403,93 @@
         </p:nvSpPr>
         <p:spPr/>
         <p:txBody>
-          <a:bodyPr/>
+          <a:bodyPr>
+            <a:normAutofit/>
+          </a:bodyPr>
           <a:lstStyle/>
           <a:p>
-            <a:pPr marL="285750" lvl="1"/>
             <a:r>
               <a:rPr lang="en-US" sz="3200" dirty="0" smtClean="0">
                 <a:latin typeface="TH Sarabun New" panose="020B0500040200020003" pitchFamily="34" charset="-34"/>
                 <a:cs typeface="TH Sarabun New" panose="020B0500040200020003" pitchFamily="34" charset="-34"/>
               </a:rPr>
-              <a:t>Web server/database setup</a:t>
-            </a:r>
-          </a:p>
-          <a:p>
-            <a:pPr marL="742950" lvl="2"/>
+              <a:t>Website</a:t>
+            </a:r>
+          </a:p>
+          <a:p>
+            <a:pPr lvl="1"/>
             <a:r>
               <a:rPr lang="en-US" sz="3000" dirty="0" smtClean="0">
                 <a:latin typeface="TH Sarabun New" panose="020B0500040200020003" pitchFamily="34" charset="-34"/>
                 <a:cs typeface="TH Sarabun New" panose="020B0500040200020003" pitchFamily="34" charset="-34"/>
               </a:rPr>
-              <a:t>Web server : Azure with Ubuntu 14.04</a:t>
-            </a:r>
-          </a:p>
-          <a:p>
-            <a:pPr marL="1085850" lvl="3"/>
-            <a:r>
-              <a:rPr lang="en-US" sz="2800" dirty="0" smtClean="0">
-                <a:latin typeface="TH Sarabun New" panose="020B0500040200020003" pitchFamily="34" charset="-34"/>
-                <a:cs typeface="TH Sarabun New" panose="020B0500040200020003" pitchFamily="34" charset="-34"/>
-              </a:rPr>
-              <a:t>HTML,PHP</a:t>
-            </a:r>
-          </a:p>
-          <a:p>
-            <a:pPr marL="742950" lvl="2"/>
+              <a:t>Upload PDF/DOC file page</a:t>
+            </a:r>
+          </a:p>
+          <a:p>
+            <a:pPr lvl="1"/>
             <a:r>
               <a:rPr lang="en-US" sz="3000" dirty="0" smtClean="0">
                 <a:latin typeface="TH Sarabun New" panose="020B0500040200020003" pitchFamily="34" charset="-34"/>
                 <a:cs typeface="TH Sarabun New" panose="020B0500040200020003" pitchFamily="34" charset="-34"/>
               </a:rPr>
-              <a:t>Database : Apache Impala (Big data platform RDBMS)</a:t>
-            </a:r>
-          </a:p>
-          <a:p>
-            <a:pPr marL="742950" lvl="2"/>
+              <a:t>Tagging page (if </a:t>
+            </a:r>
+            <a:r>
+              <a:rPr lang="en-US" sz="3000" dirty="0" err="1" smtClean="0">
+                <a:latin typeface="TH Sarabun New" panose="020B0500040200020003" pitchFamily="34" charset="-34"/>
+                <a:cs typeface="TH Sarabun New" panose="020B0500040200020003" pitchFamily="34" charset="-34"/>
+              </a:rPr>
+              <a:t>uploader</a:t>
+            </a:r>
             <a:r>
               <a:rPr lang="en-US" sz="3000" dirty="0" smtClean="0">
                 <a:latin typeface="TH Sarabun New" panose="020B0500040200020003" pitchFamily="34" charset="-34"/>
                 <a:cs typeface="TH Sarabun New" panose="020B0500040200020003" pitchFamily="34" charset="-34"/>
               </a:rPr>
-              <a:t>Connector : Impala JDBC in Java</a:t>
-            </a:r>
-          </a:p>
-          <a:p>
-            <a:endParaRPr lang="th-TH" dirty="0"/>
+              <a:t> is a teacher)</a:t>
+            </a:r>
+          </a:p>
+          <a:p>
+            <a:pPr lvl="1"/>
+            <a:r>
+              <a:rPr lang="en-US" sz="3000" dirty="0" smtClean="0">
+                <a:latin typeface="TH Sarabun New" panose="020B0500040200020003" pitchFamily="34" charset="-34"/>
+                <a:cs typeface="TH Sarabun New" panose="020B0500040200020003" pitchFamily="34" charset="-34"/>
+              </a:rPr>
+              <a:t>Searching page</a:t>
+            </a:r>
+          </a:p>
+          <a:p>
+            <a:pPr lvl="1"/>
+            <a:r>
+              <a:rPr lang="en-US" sz="3000" dirty="0" smtClean="0">
+                <a:latin typeface="TH Sarabun New" panose="020B0500040200020003" pitchFamily="34" charset="-34"/>
+                <a:cs typeface="TH Sarabun New" panose="020B0500040200020003" pitchFamily="34" charset="-34"/>
+              </a:rPr>
+              <a:t>Search result page</a:t>
+            </a:r>
+          </a:p>
+          <a:p>
+            <a:pPr lvl="1"/>
+            <a:r>
+              <a:rPr lang="en-US" sz="3000" dirty="0" smtClean="0">
+                <a:latin typeface="TH Sarabun New" panose="020B0500040200020003" pitchFamily="34" charset="-34"/>
+                <a:cs typeface="TH Sarabun New" panose="020B0500040200020003" pitchFamily="34" charset="-34"/>
+              </a:rPr>
+              <a:t>Document detail page</a:t>
+            </a:r>
+            <a:endParaRPr lang="th-TH" sz="3000" dirty="0">
+              <a:latin typeface="TH Sarabun New" panose="020B0500040200020003" pitchFamily="34" charset="-34"/>
+              <a:cs typeface="TH Sarabun New" panose="020B0500040200020003" pitchFamily="34" charset="-34"/>
+            </a:endParaRPr>
           </a:p>
         </p:txBody>
       </p:sp>
     </p:spTree>
     <p:extLst>
       <p:ext uri="{BB962C8B-B14F-4D97-AF65-F5344CB8AC3E}">
-        <p14:creationId xmlns:p14="http://schemas.microsoft.com/office/powerpoint/2010/main" val="3740267754"/>
+        <p14:creationId xmlns:p14="http://schemas.microsoft.com/office/powerpoint/2010/main" val="3950868097"/>
       </p:ext>
     </p:extLst>
   </p:cSld>
@@ -9552,20 +9534,8 @@
           <a:lstStyle/>
           <a:p>
             <a:r>
-              <a:rPr lang="en-US" sz="4500" dirty="0"/>
-              <a:t>Project </a:t>
-            </a:r>
-            <a:r>
               <a:rPr lang="en-US" sz="4500" dirty="0" smtClean="0"/>
-              <a:t>module (web </a:t>
-            </a:r>
-            <a:r>
-              <a:rPr lang="en-US" sz="4500" dirty="0" err="1" smtClean="0"/>
-              <a:t>ui</a:t>
-            </a:r>
-            <a:r>
-              <a:rPr lang="en-US" sz="4500" dirty="0" smtClean="0"/>
-              <a:t>)</a:t>
+              <a:t>strength</a:t>
             </a:r>
             <a:endParaRPr lang="th-TH" sz="4500" dirty="0"/>
           </a:p>
@@ -9581,85 +9551,197 @@
             <p:ph idx="1"/>
           </p:nvPr>
         </p:nvSpPr>
-        <p:spPr/>
+        <p:spPr>
+          <a:xfrm>
+            <a:off x="685800" y="2065867"/>
+            <a:ext cx="10131425" cy="3649133"/>
+          </a:xfrm>
+        </p:spPr>
         <p:txBody>
           <a:bodyPr>
-            <a:normAutofit/>
+            <a:noAutofit/>
           </a:bodyPr>
           <a:lstStyle/>
           <a:p>
-            <a:r>
-              <a:rPr lang="en-US" sz="3200" dirty="0" smtClean="0">
-                <a:latin typeface="TH Sarabun New" panose="020B0500040200020003" pitchFamily="34" charset="-34"/>
-                <a:cs typeface="TH Sarabun New" panose="020B0500040200020003" pitchFamily="34" charset="-34"/>
-              </a:rPr>
-              <a:t>Website</a:t>
-            </a:r>
-          </a:p>
-          <a:p>
-            <a:pPr lvl="1"/>
-            <a:r>
-              <a:rPr lang="en-US" sz="3000" dirty="0" smtClean="0">
-                <a:latin typeface="TH Sarabun New" panose="020B0500040200020003" pitchFamily="34" charset="-34"/>
-                <a:cs typeface="TH Sarabun New" panose="020B0500040200020003" pitchFamily="34" charset="-34"/>
-              </a:rPr>
-              <a:t>Upload PDF/DOC file page</a:t>
-            </a:r>
-          </a:p>
-          <a:p>
-            <a:pPr lvl="1"/>
-            <a:r>
-              <a:rPr lang="en-US" sz="3000" dirty="0" smtClean="0">
-                <a:latin typeface="TH Sarabun New" panose="020B0500040200020003" pitchFamily="34" charset="-34"/>
-                <a:cs typeface="TH Sarabun New" panose="020B0500040200020003" pitchFamily="34" charset="-34"/>
-              </a:rPr>
-              <a:t>Tagging page (if </a:t>
-            </a:r>
-            <a:r>
-              <a:rPr lang="en-US" sz="3000" dirty="0" err="1" smtClean="0">
-                <a:latin typeface="TH Sarabun New" panose="020B0500040200020003" pitchFamily="34" charset="-34"/>
-                <a:cs typeface="TH Sarabun New" panose="020B0500040200020003" pitchFamily="34" charset="-34"/>
-              </a:rPr>
-              <a:t>uploader</a:t>
-            </a:r>
-            <a:r>
-              <a:rPr lang="en-US" sz="3000" dirty="0" smtClean="0">
-                <a:latin typeface="TH Sarabun New" panose="020B0500040200020003" pitchFamily="34" charset="-34"/>
-                <a:cs typeface="TH Sarabun New" panose="020B0500040200020003" pitchFamily="34" charset="-34"/>
-              </a:rPr>
-              <a:t> is a teacher)</a:t>
-            </a:r>
-          </a:p>
-          <a:p>
-            <a:pPr lvl="1"/>
-            <a:r>
-              <a:rPr lang="en-US" sz="3000" dirty="0" smtClean="0">
-                <a:latin typeface="TH Sarabun New" panose="020B0500040200020003" pitchFamily="34" charset="-34"/>
-                <a:cs typeface="TH Sarabun New" panose="020B0500040200020003" pitchFamily="34" charset="-34"/>
-              </a:rPr>
-              <a:t>Searching page</a:t>
-            </a:r>
-          </a:p>
-          <a:p>
-            <a:pPr lvl="1"/>
-            <a:r>
-              <a:rPr lang="en-US" sz="3000" dirty="0" smtClean="0">
-                <a:latin typeface="TH Sarabun New" panose="020B0500040200020003" pitchFamily="34" charset="-34"/>
-                <a:cs typeface="TH Sarabun New" panose="020B0500040200020003" pitchFamily="34" charset="-34"/>
-              </a:rPr>
-              <a:t>Search result page</a:t>
-            </a:r>
-          </a:p>
-          <a:p>
-            <a:pPr lvl="1"/>
-            <a:r>
-              <a:rPr lang="en-US" sz="3000" dirty="0" smtClean="0">
-                <a:latin typeface="TH Sarabun New" panose="020B0500040200020003" pitchFamily="34" charset="-34"/>
-                <a:cs typeface="TH Sarabun New" panose="020B0500040200020003" pitchFamily="34" charset="-34"/>
-              </a:rPr>
-              <a:t>Document detail page</a:t>
-            </a:r>
-            <a:endParaRPr lang="th-TH" sz="3000" dirty="0">
+            <a:pPr lvl="0"/>
+            <a:r>
+              <a:rPr lang="th-TH" sz="2800" dirty="0">
+                <a:latin typeface="TH Sarabun New" panose="020B0500040200020003" pitchFamily="34" charset="-34"/>
+                <a:cs typeface="TH Sarabun New" panose="020B0500040200020003" pitchFamily="34" charset="-34"/>
+              </a:rPr>
+              <a:t>ระบบสามารถรองรับเอกสารที่เป็น</a:t>
+            </a:r>
+            <a:r>
+              <a:rPr lang="th-TH" sz="2800" dirty="0" smtClean="0">
+                <a:latin typeface="TH Sarabun New" panose="020B0500040200020003" pitchFamily="34" charset="-34"/>
+                <a:cs typeface="TH Sarabun New" panose="020B0500040200020003" pitchFamily="34" charset="-34"/>
+              </a:rPr>
+              <a:t>ภาษาไทย</a:t>
+            </a:r>
+          </a:p>
+          <a:p>
+            <a:pPr lvl="0"/>
+            <a:r>
+              <a:rPr lang="th-TH" sz="2800" dirty="0" smtClean="0">
+                <a:latin typeface="TH Sarabun New" panose="020B0500040200020003" pitchFamily="34" charset="-34"/>
+                <a:cs typeface="TH Sarabun New" panose="020B0500040200020003" pitchFamily="34" charset="-34"/>
+              </a:rPr>
+              <a:t>สามารถ</a:t>
+            </a:r>
+            <a:r>
+              <a:rPr lang="th-TH" sz="2800" dirty="0">
+                <a:latin typeface="TH Sarabun New" panose="020B0500040200020003" pitchFamily="34" charset="-34"/>
+                <a:cs typeface="TH Sarabun New" panose="020B0500040200020003" pitchFamily="34" charset="-34"/>
+              </a:rPr>
+              <a:t>รับ</a:t>
+            </a:r>
+            <a:r>
+              <a:rPr lang="th-TH" sz="2800" dirty="0" smtClean="0">
+                <a:latin typeface="TH Sarabun New" panose="020B0500040200020003" pitchFamily="34" charset="-34"/>
+                <a:cs typeface="TH Sarabun New" panose="020B0500040200020003" pitchFamily="34" charset="-34"/>
+              </a:rPr>
+              <a:t>เอกสารได้ทั้ง </a:t>
+            </a:r>
+            <a:r>
+              <a:rPr lang="en-US" sz="2800" dirty="0" smtClean="0">
+                <a:latin typeface="TH Sarabun New" panose="020B0500040200020003" pitchFamily="34" charset="-34"/>
+                <a:cs typeface="TH Sarabun New" panose="020B0500040200020003" pitchFamily="34" charset="-34"/>
+              </a:rPr>
+              <a:t>doc </a:t>
+            </a:r>
+            <a:r>
+              <a:rPr lang="th-TH" sz="2800" dirty="0" smtClean="0">
+                <a:latin typeface="TH Sarabun New" panose="020B0500040200020003" pitchFamily="34" charset="-34"/>
+                <a:cs typeface="TH Sarabun New" panose="020B0500040200020003" pitchFamily="34" charset="-34"/>
+              </a:rPr>
+              <a:t>และ </a:t>
+            </a:r>
+            <a:r>
+              <a:rPr lang="en-US" sz="2800" dirty="0" smtClean="0">
+                <a:latin typeface="TH Sarabun New" panose="020B0500040200020003" pitchFamily="34" charset="-34"/>
+                <a:cs typeface="TH Sarabun New" panose="020B0500040200020003" pitchFamily="34" charset="-34"/>
+              </a:rPr>
+              <a:t>pdf</a:t>
+            </a:r>
+          </a:p>
+          <a:p>
+            <a:pPr lvl="0"/>
+            <a:r>
+              <a:rPr lang="th-TH" sz="2800" dirty="0" smtClean="0">
+                <a:latin typeface="TH Sarabun New" panose="020B0500040200020003" pitchFamily="34" charset="-34"/>
+                <a:cs typeface="TH Sarabun New" panose="020B0500040200020003" pitchFamily="34" charset="-34"/>
+              </a:rPr>
+              <a:t>ระบบ</a:t>
+            </a:r>
+            <a:r>
+              <a:rPr lang="th-TH" sz="2800" dirty="0">
+                <a:latin typeface="TH Sarabun New" panose="020B0500040200020003" pitchFamily="34" charset="-34"/>
+                <a:cs typeface="TH Sarabun New" panose="020B0500040200020003" pitchFamily="34" charset="-34"/>
+              </a:rPr>
+              <a:t>มีการใช้ </a:t>
+            </a:r>
+            <a:r>
+              <a:rPr lang="en-US" sz="2800" dirty="0">
+                <a:latin typeface="TH Sarabun New" panose="020B0500040200020003" pitchFamily="34" charset="-34"/>
+                <a:cs typeface="TH Sarabun New" panose="020B0500040200020003" pitchFamily="34" charset="-34"/>
+              </a:rPr>
+              <a:t>Machine Learning</a:t>
+            </a:r>
+            <a:r>
+              <a:rPr lang="th-TH" sz="2800" dirty="0">
+                <a:latin typeface="TH Sarabun New" panose="020B0500040200020003" pitchFamily="34" charset="-34"/>
+                <a:cs typeface="TH Sarabun New" panose="020B0500040200020003" pitchFamily="34" charset="-34"/>
+              </a:rPr>
+              <a:t>: </a:t>
+            </a:r>
+            <a:r>
+              <a:rPr lang="en-US" sz="2800" dirty="0">
+                <a:latin typeface="TH Sarabun New" panose="020B0500040200020003" pitchFamily="34" charset="-34"/>
+                <a:cs typeface="TH Sarabun New" panose="020B0500040200020003" pitchFamily="34" charset="-34"/>
+              </a:rPr>
+              <a:t>Classification </a:t>
+            </a:r>
+            <a:r>
+              <a:rPr lang="th-TH" sz="2800" dirty="0">
+                <a:latin typeface="TH Sarabun New" panose="020B0500040200020003" pitchFamily="34" charset="-34"/>
+                <a:cs typeface="TH Sarabun New" panose="020B0500040200020003" pitchFamily="34" charset="-34"/>
+              </a:rPr>
+              <a:t>ในการทำ </a:t>
+            </a:r>
+            <a:r>
+              <a:rPr lang="en-US" sz="2800" dirty="0">
+                <a:latin typeface="TH Sarabun New" panose="020B0500040200020003" pitchFamily="34" charset="-34"/>
+                <a:cs typeface="TH Sarabun New" panose="020B0500040200020003" pitchFamily="34" charset="-34"/>
+              </a:rPr>
+              <a:t>Prediction </a:t>
+            </a:r>
+            <a:r>
+              <a:rPr lang="th-TH" sz="2800" dirty="0" smtClean="0">
+                <a:latin typeface="TH Sarabun New" panose="020B0500040200020003" pitchFamily="34" charset="-34"/>
+                <a:cs typeface="TH Sarabun New" panose="020B0500040200020003" pitchFamily="34" charset="-34"/>
+              </a:rPr>
+              <a:t>ทำให้</a:t>
+            </a:r>
+            <a:r>
+              <a:rPr lang="th-TH" sz="2800" dirty="0">
+                <a:latin typeface="TH Sarabun New" panose="020B0500040200020003" pitchFamily="34" charset="-34"/>
+                <a:cs typeface="TH Sarabun New" panose="020B0500040200020003" pitchFamily="34" charset="-34"/>
+              </a:rPr>
+              <a:t>ระบบ</a:t>
+            </a:r>
+            <a:r>
+              <a:rPr lang="th-TH" sz="2800" dirty="0" smtClean="0">
+                <a:latin typeface="TH Sarabun New" panose="020B0500040200020003" pitchFamily="34" charset="-34"/>
+                <a:cs typeface="TH Sarabun New" panose="020B0500040200020003" pitchFamily="34" charset="-34"/>
+              </a:rPr>
+              <a:t>เรียนรู้รูปแบบเอกสาร</a:t>
+            </a:r>
+            <a:r>
+              <a:rPr lang="th-TH" sz="2800" dirty="0">
+                <a:latin typeface="TH Sarabun New" panose="020B0500040200020003" pitchFamily="34" charset="-34"/>
+                <a:cs typeface="TH Sarabun New" panose="020B0500040200020003" pitchFamily="34" charset="-34"/>
+              </a:rPr>
+              <a:t>ชนิดต่างๆ </a:t>
+            </a:r>
+            <a:r>
+              <a:rPr lang="th-TH" sz="2800" dirty="0" smtClean="0">
+                <a:latin typeface="TH Sarabun New" panose="020B0500040200020003" pitchFamily="34" charset="-34"/>
+                <a:cs typeface="TH Sarabun New" panose="020B0500040200020003" pitchFamily="34" charset="-34"/>
+              </a:rPr>
+              <a:t>เพื่อเพิ่มความแม่นยำได้</a:t>
+            </a:r>
+          </a:p>
+          <a:p>
+            <a:pPr lvl="0"/>
+            <a:r>
+              <a:rPr lang="th-TH" sz="2800" dirty="0" smtClean="0">
+                <a:latin typeface="TH Sarabun New" panose="020B0500040200020003" pitchFamily="34" charset="-34"/>
+                <a:cs typeface="TH Sarabun New" panose="020B0500040200020003" pitchFamily="34" charset="-34"/>
+              </a:rPr>
+              <a:t>ระบบมีการใช้ </a:t>
+            </a:r>
+            <a:r>
+              <a:rPr lang="en-US" sz="2800" dirty="0" err="1">
+                <a:latin typeface="TH Sarabun New" panose="020B0500040200020003" pitchFamily="34" charset="-34"/>
+                <a:cs typeface="TH Sarabun New" panose="020B0500040200020003" pitchFamily="34" charset="-34"/>
+              </a:rPr>
+              <a:t>Hadoop</a:t>
+            </a:r>
+            <a:r>
+              <a:rPr lang="en-US" sz="2800" dirty="0">
+                <a:latin typeface="TH Sarabun New" panose="020B0500040200020003" pitchFamily="34" charset="-34"/>
+                <a:cs typeface="TH Sarabun New" panose="020B0500040200020003" pitchFamily="34" charset="-34"/>
+              </a:rPr>
+              <a:t> Ecosystem </a:t>
+            </a:r>
+            <a:r>
+              <a:rPr lang="th-TH" sz="2800" dirty="0" smtClean="0">
+                <a:latin typeface="TH Sarabun New" panose="020B0500040200020003" pitchFamily="34" charset="-34"/>
+                <a:cs typeface="TH Sarabun New" panose="020B0500040200020003" pitchFamily="34" charset="-34"/>
+              </a:rPr>
+              <a:t>ทำให้สามารถจัดการข้อมูลปริมาณมากได้</a:t>
+            </a:r>
+            <a:endParaRPr lang="en-US" sz="2800" dirty="0">
               <a:latin typeface="TH Sarabun New" panose="020B0500040200020003" pitchFamily="34" charset="-34"/>
               <a:cs typeface="TH Sarabun New" panose="020B0500040200020003" pitchFamily="34" charset="-34"/>
             </a:endParaRPr>
@@ -9669,7 +9751,7 @@
     </p:spTree>
     <p:extLst>
       <p:ext uri="{BB962C8B-B14F-4D97-AF65-F5344CB8AC3E}">
-        <p14:creationId xmlns:p14="http://schemas.microsoft.com/office/powerpoint/2010/main" val="3950868097"/>
+        <p14:creationId xmlns:p14="http://schemas.microsoft.com/office/powerpoint/2010/main" val="2673650825"/>
       </p:ext>
     </p:extLst>
   </p:cSld>
@@ -9715,7 +9797,7 @@
           <a:p>
             <a:r>
               <a:rPr lang="en-US" sz="4500" dirty="0" smtClean="0"/>
-              <a:t>strength</a:t>
+              <a:t>Limitation</a:t>
             </a:r>
             <a:endParaRPr lang="th-TH" sz="4500" dirty="0"/>
           </a:p>
@@ -9733,35 +9815,66 @@
         </p:nvSpPr>
         <p:spPr>
           <a:xfrm>
-            <a:off x="685800" y="2065867"/>
-            <a:ext cx="10131425" cy="3649133"/>
+            <a:off x="685801" y="1801505"/>
+            <a:ext cx="10955739" cy="4299045"/>
           </a:xfrm>
         </p:spPr>
         <p:txBody>
           <a:bodyPr>
-            <a:noAutofit/>
+            <a:normAutofit/>
           </a:bodyPr>
           <a:lstStyle/>
           <a:p>
             <a:pPr lvl="0"/>
             <a:r>
+              <a:rPr lang="th-TH" sz="2800" dirty="0" smtClean="0">
+                <a:latin typeface="TH Sarabun New" panose="020B0500040200020003" pitchFamily="34" charset="-34"/>
+                <a:cs typeface="TH Sarabun New" panose="020B0500040200020003" pitchFamily="34" charset="-34"/>
+              </a:rPr>
+              <a:t>เนื่องจาก</a:t>
+            </a:r>
+            <a:r>
               <a:rPr lang="th-TH" sz="2800" dirty="0">
                 <a:latin typeface="TH Sarabun New" panose="020B0500040200020003" pitchFamily="34" charset="-34"/>
                 <a:cs typeface="TH Sarabun New" panose="020B0500040200020003" pitchFamily="34" charset="-34"/>
               </a:rPr>
-              <a:t>ระบบสามารถรองรับเอกสารที่เป็น</a:t>
+              <a:t>ภาษาไทยเป็นภาษาที่มีความซับซ้อนสูง </a:t>
             </a:r>
             <a:r>
               <a:rPr lang="th-TH" sz="2800" dirty="0" smtClean="0">
                 <a:latin typeface="TH Sarabun New" panose="020B0500040200020003" pitchFamily="34" charset="-34"/>
                 <a:cs typeface="TH Sarabun New" panose="020B0500040200020003" pitchFamily="34" charset="-34"/>
               </a:rPr>
-              <a:t>ภาษาไทย</a:t>
-            </a:r>
-            <a:endParaRPr lang="th-TH" sz="2800" dirty="0" smtClean="0">
-              <a:latin typeface="TH Sarabun New" panose="020B0500040200020003" pitchFamily="34" charset="-34"/>
-              <a:cs typeface="TH Sarabun New" panose="020B0500040200020003" pitchFamily="34" charset="-34"/>
-            </a:endParaRPr>
+              <a:t>ความ</a:t>
+            </a:r>
+            <a:r>
+              <a:rPr lang="th-TH" sz="2800" dirty="0">
+                <a:latin typeface="TH Sarabun New" panose="020B0500040200020003" pitchFamily="34" charset="-34"/>
+                <a:cs typeface="TH Sarabun New" panose="020B0500040200020003" pitchFamily="34" charset="-34"/>
+              </a:rPr>
+              <a:t>แม่นยำในการ </a:t>
+            </a:r>
+            <a:r>
+              <a:rPr lang="en-US" sz="2800" dirty="0">
+                <a:latin typeface="TH Sarabun New" panose="020B0500040200020003" pitchFamily="34" charset="-34"/>
+                <a:cs typeface="TH Sarabun New" panose="020B0500040200020003" pitchFamily="34" charset="-34"/>
+              </a:rPr>
+              <a:t>tag </a:t>
+            </a:r>
+            <a:r>
+              <a:rPr lang="th-TH" sz="2800" dirty="0">
+                <a:latin typeface="TH Sarabun New" panose="020B0500040200020003" pitchFamily="34" charset="-34"/>
+                <a:cs typeface="TH Sarabun New" panose="020B0500040200020003" pitchFamily="34" charset="-34"/>
+              </a:rPr>
+              <a:t>อาจจะต่ำกว่าการใช้งานกับ</a:t>
+            </a:r>
+            <a:r>
+              <a:rPr lang="th-TH" sz="2800" dirty="0" smtClean="0">
+                <a:latin typeface="TH Sarabun New" panose="020B0500040200020003" pitchFamily="34" charset="-34"/>
+                <a:cs typeface="TH Sarabun New" panose="020B0500040200020003" pitchFamily="34" charset="-34"/>
+              </a:rPr>
+              <a:t>ภาษาอังกฤษ</a:t>
+            </a:r>
           </a:p>
           <a:p>
             <a:pPr lvl="0"/>
@@ -9770,167 +9883,143 @@
                 <a:latin typeface="TH Sarabun New" panose="020B0500040200020003" pitchFamily="34" charset="-34"/>
                 <a:cs typeface="TH Sarabun New" panose="020B0500040200020003" pitchFamily="34" charset="-34"/>
               </a:rPr>
-              <a:t>สามารถ</a:t>
+              <a:t>เนื่องจาก </a:t>
+            </a:r>
+            <a:r>
+              <a:rPr lang="en-US" sz="2800" dirty="0" smtClean="0">
+                <a:latin typeface="TH Sarabun New" panose="020B0500040200020003" pitchFamily="34" charset="-34"/>
+                <a:cs typeface="TH Sarabun New" panose="020B0500040200020003" pitchFamily="34" charset="-34"/>
+              </a:rPr>
+              <a:t>Machine learning </a:t>
+            </a:r>
+            <a:r>
+              <a:rPr lang="th-TH" sz="2800" dirty="0" smtClean="0">
+                <a:latin typeface="TH Sarabun New" panose="020B0500040200020003" pitchFamily="34" charset="-34"/>
+                <a:cs typeface="TH Sarabun New" panose="020B0500040200020003" pitchFamily="34" charset="-34"/>
+              </a:rPr>
+              <a:t>ที่ใช้เป็น</a:t>
+            </a:r>
+            <a:r>
+              <a:rPr lang="en-US" sz="2800" dirty="0" smtClean="0">
+                <a:latin typeface="TH Sarabun New" panose="020B0500040200020003" pitchFamily="34" charset="-34"/>
+                <a:cs typeface="TH Sarabun New" panose="020B0500040200020003" pitchFamily="34" charset="-34"/>
+              </a:rPr>
+              <a:t> supervised </a:t>
+            </a:r>
+            <a:r>
+              <a:rPr lang="th-TH" sz="2800" dirty="0" smtClean="0">
+                <a:latin typeface="TH Sarabun New" panose="020B0500040200020003" pitchFamily="34" charset="-34"/>
+                <a:cs typeface="TH Sarabun New" panose="020B0500040200020003" pitchFamily="34" charset="-34"/>
+              </a:rPr>
+              <a:t>ทำให้ต้องมีการ </a:t>
+            </a:r>
+            <a:r>
+              <a:rPr lang="en-US" sz="2800" dirty="0" smtClean="0">
+                <a:latin typeface="TH Sarabun New" panose="020B0500040200020003" pitchFamily="34" charset="-34"/>
+                <a:cs typeface="TH Sarabun New" panose="020B0500040200020003" pitchFamily="34" charset="-34"/>
+              </a:rPr>
+              <a:t>train </a:t>
+            </a:r>
+            <a:r>
+              <a:rPr lang="th-TH" sz="2800" dirty="0" smtClean="0">
+                <a:latin typeface="TH Sarabun New" panose="020B0500040200020003" pitchFamily="34" charset="-34"/>
+                <a:cs typeface="TH Sarabun New" panose="020B0500040200020003" pitchFamily="34" charset="-34"/>
+              </a:rPr>
+              <a:t>ข้อมูลก่อน ดังนั้น </a:t>
+            </a:r>
+            <a:r>
+              <a:rPr lang="en-US" sz="2800" dirty="0" smtClean="0">
+                <a:latin typeface="TH Sarabun New" panose="020B0500040200020003" pitchFamily="34" charset="-34"/>
+                <a:cs typeface="TH Sarabun New" panose="020B0500040200020003" pitchFamily="34" charset="-34"/>
+              </a:rPr>
+              <a:t>tag </a:t>
+            </a:r>
+            <a:r>
+              <a:rPr lang="th-TH" sz="2800" dirty="0" smtClean="0">
+                <a:latin typeface="TH Sarabun New" panose="020B0500040200020003" pitchFamily="34" charset="-34"/>
+                <a:cs typeface="TH Sarabun New" panose="020B0500040200020003" pitchFamily="34" charset="-34"/>
+              </a:rPr>
+              <a:t>ที่ระบุโดยผู้เชี่ยวชาญจะมีผลต่อตัว </a:t>
+            </a:r>
+            <a:r>
+              <a:rPr lang="en-US" sz="2800" dirty="0" smtClean="0">
+                <a:latin typeface="TH Sarabun New" panose="020B0500040200020003" pitchFamily="34" charset="-34"/>
+                <a:cs typeface="TH Sarabun New" panose="020B0500040200020003" pitchFamily="34" charset="-34"/>
+              </a:rPr>
+              <a:t>model </a:t>
+            </a:r>
+            <a:r>
+              <a:rPr lang="th-TH" sz="2800" dirty="0" smtClean="0">
+                <a:latin typeface="TH Sarabun New" panose="020B0500040200020003" pitchFamily="34" charset="-34"/>
+                <a:cs typeface="TH Sarabun New" panose="020B0500040200020003" pitchFamily="34" charset="-34"/>
+              </a:rPr>
+              <a:t>เป็นอย่างมาก </a:t>
+            </a:r>
+          </a:p>
+          <a:p>
+            <a:pPr lvl="0"/>
+            <a:r>
+              <a:rPr lang="th-TH" sz="2800" dirty="0" smtClean="0">
+                <a:latin typeface="TH Sarabun New" panose="020B0500040200020003" pitchFamily="34" charset="-34"/>
+                <a:cs typeface="TH Sarabun New" panose="020B0500040200020003" pitchFamily="34" charset="-34"/>
+              </a:rPr>
+              <a:t>การระบุ</a:t>
             </a:r>
             <a:r>
               <a:rPr lang="th-TH" sz="2800" dirty="0">
                 <a:latin typeface="TH Sarabun New" panose="020B0500040200020003" pitchFamily="34" charset="-34"/>
                 <a:cs typeface="TH Sarabun New" panose="020B0500040200020003" pitchFamily="34" charset="-34"/>
               </a:rPr>
-              <a:t>รับ</a:t>
+              <a:t>ย่อหน้าจาก </a:t>
+            </a:r>
+            <a:r>
+              <a:rPr lang="en-US" sz="2800" dirty="0">
+                <a:latin typeface="TH Sarabun New" panose="020B0500040200020003" pitchFamily="34" charset="-34"/>
+                <a:cs typeface="TH Sarabun New" panose="020B0500040200020003" pitchFamily="34" charset="-34"/>
+              </a:rPr>
+              <a:t>PDF </a:t>
+            </a:r>
+            <a:r>
+              <a:rPr lang="th-TH" sz="2800" dirty="0">
+                <a:latin typeface="TH Sarabun New" panose="020B0500040200020003" pitchFamily="34" charset="-34"/>
+                <a:cs typeface="TH Sarabun New" panose="020B0500040200020003" pitchFamily="34" charset="-34"/>
+              </a:rPr>
+              <a:t>นั้นสามารถทำได้</a:t>
             </a:r>
             <a:r>
               <a:rPr lang="th-TH" sz="2800" dirty="0" smtClean="0">
                 <a:latin typeface="TH Sarabun New" panose="020B0500040200020003" pitchFamily="34" charset="-34"/>
                 <a:cs typeface="TH Sarabun New" panose="020B0500040200020003" pitchFamily="34" charset="-34"/>
               </a:rPr>
-              <a:t>เอกสารได้ทั้ง </a:t>
+              <a:t>ยาก เนื่องจากระบบโครงสร้างของไฟล์ </a:t>
             </a:r>
             <a:r>
               <a:rPr lang="en-US" sz="2800" dirty="0" smtClean="0">
                 <a:latin typeface="TH Sarabun New" panose="020B0500040200020003" pitchFamily="34" charset="-34"/>
                 <a:cs typeface="TH Sarabun New" panose="020B0500040200020003" pitchFamily="34" charset="-34"/>
               </a:rPr>
-              <a:t>doc </a:t>
+              <a:t>PDF </a:t>
             </a:r>
             <a:r>
               <a:rPr lang="th-TH" sz="2800" dirty="0" smtClean="0">
                 <a:latin typeface="TH Sarabun New" panose="020B0500040200020003" pitchFamily="34" charset="-34"/>
                 <a:cs typeface="TH Sarabun New" panose="020B0500040200020003" pitchFamily="34" charset="-34"/>
               </a:rPr>
-              <a:t>และ </a:t>
+              <a:t>ทำให้การแบ่ง </a:t>
             </a:r>
             <a:r>
               <a:rPr lang="en-US" sz="2800" dirty="0" smtClean="0">
                 <a:latin typeface="TH Sarabun New" panose="020B0500040200020003" pitchFamily="34" charset="-34"/>
                 <a:cs typeface="TH Sarabun New" panose="020B0500040200020003" pitchFamily="34" charset="-34"/>
               </a:rPr>
-              <a:t>pdf</a:t>
-            </a:r>
-          </a:p>
-          <a:p>
-            <a:pPr lvl="0"/>
+              <a:t>paragraph </a:t>
+            </a:r>
             <a:r>
               <a:rPr lang="th-TH" sz="2800" dirty="0" smtClean="0">
                 <a:latin typeface="TH Sarabun New" panose="020B0500040200020003" pitchFamily="34" charset="-34"/>
                 <a:cs typeface="TH Sarabun New" panose="020B0500040200020003" pitchFamily="34" charset="-34"/>
               </a:rPr>
-              <a:t>ระบบ</a:t>
-            </a:r>
-            <a:r>
-              <a:rPr lang="th-TH" sz="2800" dirty="0">
-                <a:latin typeface="TH Sarabun New" panose="020B0500040200020003" pitchFamily="34" charset="-34"/>
-                <a:cs typeface="TH Sarabun New" panose="020B0500040200020003" pitchFamily="34" charset="-34"/>
-              </a:rPr>
-              <a:t>มีการใช้ </a:t>
-            </a:r>
-            <a:r>
-              <a:rPr lang="en-US" sz="2800" dirty="0">
-                <a:latin typeface="TH Sarabun New" panose="020B0500040200020003" pitchFamily="34" charset="-34"/>
-                <a:cs typeface="TH Sarabun New" panose="020B0500040200020003" pitchFamily="34" charset="-34"/>
-              </a:rPr>
-              <a:t>Machine Learning</a:t>
-            </a:r>
-            <a:r>
-              <a:rPr lang="th-TH" sz="2800" dirty="0">
-                <a:latin typeface="TH Sarabun New" panose="020B0500040200020003" pitchFamily="34" charset="-34"/>
-                <a:cs typeface="TH Sarabun New" panose="020B0500040200020003" pitchFamily="34" charset="-34"/>
-              </a:rPr>
-              <a:t>: </a:t>
-            </a:r>
-            <a:r>
-              <a:rPr lang="en-US" sz="2800" dirty="0">
-                <a:latin typeface="TH Sarabun New" panose="020B0500040200020003" pitchFamily="34" charset="-34"/>
-                <a:cs typeface="TH Sarabun New" panose="020B0500040200020003" pitchFamily="34" charset="-34"/>
-              </a:rPr>
-              <a:t>Classification </a:t>
-            </a:r>
-            <a:r>
-              <a:rPr lang="th-TH" sz="2800" dirty="0">
-                <a:latin typeface="TH Sarabun New" panose="020B0500040200020003" pitchFamily="34" charset="-34"/>
-                <a:cs typeface="TH Sarabun New" panose="020B0500040200020003" pitchFamily="34" charset="-34"/>
-              </a:rPr>
-              <a:t>ในการทำ </a:t>
-            </a:r>
-            <a:r>
-              <a:rPr lang="en-US" sz="2800" dirty="0">
-                <a:latin typeface="TH Sarabun New" panose="020B0500040200020003" pitchFamily="34" charset="-34"/>
-                <a:cs typeface="TH Sarabun New" panose="020B0500040200020003" pitchFamily="34" charset="-34"/>
-              </a:rPr>
-              <a:t>Prediction </a:t>
-            </a:r>
-            <a:r>
-              <a:rPr lang="th-TH" sz="2800" dirty="0" smtClean="0">
-                <a:latin typeface="TH Sarabun New" panose="020B0500040200020003" pitchFamily="34" charset="-34"/>
-                <a:cs typeface="TH Sarabun New" panose="020B0500040200020003" pitchFamily="34" charset="-34"/>
-              </a:rPr>
-              <a:t>ทำให้</a:t>
-            </a:r>
-            <a:r>
-              <a:rPr lang="th-TH" sz="2800" dirty="0">
-                <a:latin typeface="TH Sarabun New" panose="020B0500040200020003" pitchFamily="34" charset="-34"/>
-                <a:cs typeface="TH Sarabun New" panose="020B0500040200020003" pitchFamily="34" charset="-34"/>
-              </a:rPr>
-              <a:t>ระบบ</a:t>
-            </a:r>
-            <a:r>
-              <a:rPr lang="th-TH" sz="2800" dirty="0" smtClean="0">
-                <a:latin typeface="TH Sarabun New" panose="020B0500040200020003" pitchFamily="34" charset="-34"/>
-                <a:cs typeface="TH Sarabun New" panose="020B0500040200020003" pitchFamily="34" charset="-34"/>
-              </a:rPr>
-              <a:t>เรียนรู้รูปแบบเอกสาร</a:t>
-            </a:r>
-            <a:r>
-              <a:rPr lang="th-TH" sz="2800" dirty="0">
-                <a:latin typeface="TH Sarabun New" panose="020B0500040200020003" pitchFamily="34" charset="-34"/>
-                <a:cs typeface="TH Sarabun New" panose="020B0500040200020003" pitchFamily="34" charset="-34"/>
-              </a:rPr>
-              <a:t>ชนิดต่างๆ </a:t>
-            </a:r>
-            <a:r>
-              <a:rPr lang="th-TH" sz="2800" dirty="0" smtClean="0">
-                <a:latin typeface="TH Sarabun New" panose="020B0500040200020003" pitchFamily="34" charset="-34"/>
-                <a:cs typeface="TH Sarabun New" panose="020B0500040200020003" pitchFamily="34" charset="-34"/>
-              </a:rPr>
-              <a:t>เพื่อเพิ่มความแม่นยำได้</a:t>
-            </a:r>
-          </a:p>
-          <a:p>
-            <a:pPr lvl="0"/>
-            <a:r>
-              <a:rPr lang="th-TH" sz="2800" dirty="0" smtClean="0">
-                <a:latin typeface="TH Sarabun New" panose="020B0500040200020003" pitchFamily="34" charset="-34"/>
-                <a:cs typeface="TH Sarabun New" panose="020B0500040200020003" pitchFamily="34" charset="-34"/>
-              </a:rPr>
-              <a:t>ระบบ</a:t>
-            </a:r>
-            <a:r>
-              <a:rPr lang="th-TH" sz="2800" dirty="0" smtClean="0">
-                <a:latin typeface="TH Sarabun New" panose="020B0500040200020003" pitchFamily="34" charset="-34"/>
-                <a:cs typeface="TH Sarabun New" panose="020B0500040200020003" pitchFamily="34" charset="-34"/>
-              </a:rPr>
-              <a:t>มีการใช้ </a:t>
-            </a:r>
-            <a:r>
-              <a:rPr lang="en-US" sz="2800" dirty="0" err="1">
-                <a:latin typeface="TH Sarabun New" panose="020B0500040200020003" pitchFamily="34" charset="-34"/>
-                <a:cs typeface="TH Sarabun New" panose="020B0500040200020003" pitchFamily="34" charset="-34"/>
-              </a:rPr>
-              <a:t>Hadoop</a:t>
-            </a:r>
-            <a:r>
-              <a:rPr lang="en-US" sz="2800" dirty="0">
-                <a:latin typeface="TH Sarabun New" panose="020B0500040200020003" pitchFamily="34" charset="-34"/>
-                <a:cs typeface="TH Sarabun New" panose="020B0500040200020003" pitchFamily="34" charset="-34"/>
-              </a:rPr>
-              <a:t> Ecosystem </a:t>
-            </a:r>
-            <a:r>
-              <a:rPr lang="th-TH" sz="2800" dirty="0" smtClean="0">
-                <a:latin typeface="TH Sarabun New" panose="020B0500040200020003" pitchFamily="34" charset="-34"/>
-                <a:cs typeface="TH Sarabun New" panose="020B0500040200020003" pitchFamily="34" charset="-34"/>
-              </a:rPr>
-              <a:t>ทำให้สามารถจัดการข้อมูลปริมาณมากได้</a:t>
+              <a:t>เกิดข้อผิดพลาดได้ง่าย</a:t>
             </a:r>
             <a:endParaRPr lang="en-US" sz="2800" dirty="0">
               <a:latin typeface="TH Sarabun New" panose="020B0500040200020003" pitchFamily="34" charset="-34"/>
@@ -9942,7 +10031,7 @@
     </p:spTree>
     <p:extLst>
       <p:ext uri="{BB962C8B-B14F-4D97-AF65-F5344CB8AC3E}">
-        <p14:creationId xmlns:p14="http://schemas.microsoft.com/office/powerpoint/2010/main" val="2673650825"/>
+        <p14:creationId xmlns:p14="http://schemas.microsoft.com/office/powerpoint/2010/main" val="1938126046"/>
       </p:ext>
     </p:extLst>
   </p:cSld>
@@ -9988,7 +10077,7 @@
           <a:p>
             <a:r>
               <a:rPr lang="en-US" sz="4500" dirty="0" smtClean="0"/>
-              <a:t>Limitation</a:t>
+              <a:t>Project progress</a:t>
             </a:r>
             <a:endParaRPr lang="th-TH" sz="4500" dirty="0"/>
           </a:p>
@@ -10004,222 +10093,83 @@
             <p:ph idx="1"/>
           </p:nvPr>
         </p:nvSpPr>
-        <p:spPr>
-          <a:xfrm>
-            <a:off x="685801" y="1801505"/>
-            <a:ext cx="10955739" cy="4299045"/>
-          </a:xfrm>
-        </p:spPr>
+        <p:spPr/>
         <p:txBody>
           <a:bodyPr>
-            <a:normAutofit/>
+            <a:normAutofit fontScale="92500" lnSpcReduction="20000"/>
           </a:bodyPr>
           <a:lstStyle/>
           <a:p>
-            <a:pPr lvl="0"/>
-            <a:r>
-              <a:rPr lang="th-TH" sz="2800" dirty="0" smtClean="0">
-                <a:latin typeface="TH Sarabun New" panose="020B0500040200020003" pitchFamily="34" charset="-34"/>
-                <a:cs typeface="TH Sarabun New" panose="020B0500040200020003" pitchFamily="34" charset="-34"/>
-              </a:rPr>
-              <a:t>เนื่องจาก</a:t>
-            </a:r>
-            <a:r>
-              <a:rPr lang="th-TH" sz="2800" dirty="0">
-                <a:latin typeface="TH Sarabun New" panose="020B0500040200020003" pitchFamily="34" charset="-34"/>
-                <a:cs typeface="TH Sarabun New" panose="020B0500040200020003" pitchFamily="34" charset="-34"/>
-              </a:rPr>
-              <a:t>ภาษาไทยเป็นภาษาที่มีความซับซ้อนสูง </a:t>
-            </a:r>
-            <a:r>
-              <a:rPr lang="th-TH" sz="2800" dirty="0" smtClean="0">
-                <a:latin typeface="TH Sarabun New" panose="020B0500040200020003" pitchFamily="34" charset="-34"/>
-                <a:cs typeface="TH Sarabun New" panose="020B0500040200020003" pitchFamily="34" charset="-34"/>
-              </a:rPr>
-              <a:t>ความ</a:t>
-            </a:r>
-            <a:r>
-              <a:rPr lang="th-TH" sz="2800" dirty="0">
-                <a:latin typeface="TH Sarabun New" panose="020B0500040200020003" pitchFamily="34" charset="-34"/>
-                <a:cs typeface="TH Sarabun New" panose="020B0500040200020003" pitchFamily="34" charset="-34"/>
-              </a:rPr>
-              <a:t>แม่นยำในการ </a:t>
-            </a:r>
-            <a:r>
-              <a:rPr lang="en-US" sz="2800" dirty="0">
-                <a:latin typeface="TH Sarabun New" panose="020B0500040200020003" pitchFamily="34" charset="-34"/>
-                <a:cs typeface="TH Sarabun New" panose="020B0500040200020003" pitchFamily="34" charset="-34"/>
-              </a:rPr>
-              <a:t>tag </a:t>
-            </a:r>
-            <a:r>
-              <a:rPr lang="th-TH" sz="2800" dirty="0">
-                <a:latin typeface="TH Sarabun New" panose="020B0500040200020003" pitchFamily="34" charset="-34"/>
-                <a:cs typeface="TH Sarabun New" panose="020B0500040200020003" pitchFamily="34" charset="-34"/>
-              </a:rPr>
-              <a:t>อาจจะต่ำกว่าการใช้งานกับ</a:t>
-            </a:r>
-            <a:r>
-              <a:rPr lang="th-TH" sz="2800" dirty="0" smtClean="0">
-                <a:latin typeface="TH Sarabun New" panose="020B0500040200020003" pitchFamily="34" charset="-34"/>
-                <a:cs typeface="TH Sarabun New" panose="020B0500040200020003" pitchFamily="34" charset="-34"/>
-              </a:rPr>
-              <a:t>ภาษาอังกฤษ</a:t>
-            </a:r>
-          </a:p>
-          <a:p>
-            <a:pPr lvl="0"/>
-            <a:r>
-              <a:rPr lang="th-TH" sz="2800" dirty="0" smtClean="0">
-                <a:latin typeface="TH Sarabun New" panose="020B0500040200020003" pitchFamily="34" charset="-34"/>
-                <a:cs typeface="TH Sarabun New" panose="020B0500040200020003" pitchFamily="34" charset="-34"/>
-              </a:rPr>
-              <a:t>เนื่องจาก </a:t>
-            </a:r>
-            <a:r>
-              <a:rPr lang="en-US" sz="2800" dirty="0" smtClean="0">
-                <a:latin typeface="TH Sarabun New" panose="020B0500040200020003" pitchFamily="34" charset="-34"/>
-                <a:cs typeface="TH Sarabun New" panose="020B0500040200020003" pitchFamily="34" charset="-34"/>
-              </a:rPr>
-              <a:t>Machine learning </a:t>
-            </a:r>
-            <a:r>
-              <a:rPr lang="th-TH" sz="2800" dirty="0" smtClean="0">
-                <a:latin typeface="TH Sarabun New" panose="020B0500040200020003" pitchFamily="34" charset="-34"/>
-                <a:cs typeface="TH Sarabun New" panose="020B0500040200020003" pitchFamily="34" charset="-34"/>
-              </a:rPr>
-              <a:t>ที่ใช้เป็น</a:t>
-            </a:r>
-            <a:r>
-              <a:rPr lang="en-US" sz="2800" dirty="0" smtClean="0">
-                <a:latin typeface="TH Sarabun New" panose="020B0500040200020003" pitchFamily="34" charset="-34"/>
-                <a:cs typeface="TH Sarabun New" panose="020B0500040200020003" pitchFamily="34" charset="-34"/>
-              </a:rPr>
-              <a:t> supervised </a:t>
-            </a:r>
-            <a:r>
-              <a:rPr lang="th-TH" sz="2800" dirty="0" smtClean="0">
-                <a:latin typeface="TH Sarabun New" panose="020B0500040200020003" pitchFamily="34" charset="-34"/>
-                <a:cs typeface="TH Sarabun New" panose="020B0500040200020003" pitchFamily="34" charset="-34"/>
-              </a:rPr>
-              <a:t>ทำให้ต้องมีการ </a:t>
-            </a:r>
-            <a:r>
-              <a:rPr lang="en-US" sz="2800" dirty="0" smtClean="0">
-                <a:latin typeface="TH Sarabun New" panose="020B0500040200020003" pitchFamily="34" charset="-34"/>
-                <a:cs typeface="TH Sarabun New" panose="020B0500040200020003" pitchFamily="34" charset="-34"/>
-              </a:rPr>
-              <a:t>train </a:t>
-            </a:r>
-            <a:r>
-              <a:rPr lang="th-TH" sz="2800" dirty="0" smtClean="0">
-                <a:latin typeface="TH Sarabun New" panose="020B0500040200020003" pitchFamily="34" charset="-34"/>
-                <a:cs typeface="TH Sarabun New" panose="020B0500040200020003" pitchFamily="34" charset="-34"/>
-              </a:rPr>
-              <a:t>ข้อมูลก่อน ดังนั้น </a:t>
-            </a:r>
-            <a:r>
-              <a:rPr lang="en-US" sz="2800" dirty="0" smtClean="0">
-                <a:latin typeface="TH Sarabun New" panose="020B0500040200020003" pitchFamily="34" charset="-34"/>
-                <a:cs typeface="TH Sarabun New" panose="020B0500040200020003" pitchFamily="34" charset="-34"/>
-              </a:rPr>
-              <a:t>tag </a:t>
-            </a:r>
-            <a:r>
-              <a:rPr lang="th-TH" sz="2800" dirty="0" smtClean="0">
-                <a:latin typeface="TH Sarabun New" panose="020B0500040200020003" pitchFamily="34" charset="-34"/>
-                <a:cs typeface="TH Sarabun New" panose="020B0500040200020003" pitchFamily="34" charset="-34"/>
-              </a:rPr>
-              <a:t>ที่ระบุโดยผู้เชี่ยวชาญจะมีผลต่อตัว </a:t>
-            </a:r>
-            <a:r>
-              <a:rPr lang="en-US" sz="2800" dirty="0" smtClean="0">
-                <a:latin typeface="TH Sarabun New" panose="020B0500040200020003" pitchFamily="34" charset="-34"/>
-                <a:cs typeface="TH Sarabun New" panose="020B0500040200020003" pitchFamily="34" charset="-34"/>
-              </a:rPr>
-              <a:t>model </a:t>
-            </a:r>
-            <a:r>
-              <a:rPr lang="th-TH" sz="2800" dirty="0" smtClean="0">
-                <a:latin typeface="TH Sarabun New" panose="020B0500040200020003" pitchFamily="34" charset="-34"/>
-                <a:cs typeface="TH Sarabun New" panose="020B0500040200020003" pitchFamily="34" charset="-34"/>
-              </a:rPr>
-              <a:t>เป็นอย่างมาก </a:t>
-            </a:r>
-          </a:p>
-          <a:p>
-            <a:pPr lvl="0"/>
-            <a:r>
-              <a:rPr lang="th-TH" sz="2800" dirty="0" smtClean="0">
-                <a:latin typeface="TH Sarabun New" panose="020B0500040200020003" pitchFamily="34" charset="-34"/>
-                <a:cs typeface="TH Sarabun New" panose="020B0500040200020003" pitchFamily="34" charset="-34"/>
-              </a:rPr>
-              <a:t>การ</a:t>
-            </a:r>
-            <a:r>
-              <a:rPr lang="th-TH" sz="2800" dirty="0" smtClean="0">
-                <a:latin typeface="TH Sarabun New" panose="020B0500040200020003" pitchFamily="34" charset="-34"/>
-                <a:cs typeface="TH Sarabun New" panose="020B0500040200020003" pitchFamily="34" charset="-34"/>
-              </a:rPr>
-              <a:t>ระบุ</a:t>
-            </a:r>
-            <a:r>
-              <a:rPr lang="th-TH" sz="2800" dirty="0">
-                <a:latin typeface="TH Sarabun New" panose="020B0500040200020003" pitchFamily="34" charset="-34"/>
-                <a:cs typeface="TH Sarabun New" panose="020B0500040200020003" pitchFamily="34" charset="-34"/>
-              </a:rPr>
-              <a:t>ย่อหน้าจาก </a:t>
-            </a:r>
-            <a:r>
-              <a:rPr lang="en-US" sz="2800" dirty="0">
-                <a:latin typeface="TH Sarabun New" panose="020B0500040200020003" pitchFamily="34" charset="-34"/>
-                <a:cs typeface="TH Sarabun New" panose="020B0500040200020003" pitchFamily="34" charset="-34"/>
-              </a:rPr>
-              <a:t>PDF </a:t>
-            </a:r>
-            <a:r>
-              <a:rPr lang="th-TH" sz="2800" dirty="0">
-                <a:latin typeface="TH Sarabun New" panose="020B0500040200020003" pitchFamily="34" charset="-34"/>
-                <a:cs typeface="TH Sarabun New" panose="020B0500040200020003" pitchFamily="34" charset="-34"/>
-              </a:rPr>
-              <a:t>นั้นสามารถทำได้</a:t>
-            </a:r>
-            <a:r>
-              <a:rPr lang="th-TH" sz="2800" dirty="0" smtClean="0">
-                <a:latin typeface="TH Sarabun New" panose="020B0500040200020003" pitchFamily="34" charset="-34"/>
-                <a:cs typeface="TH Sarabun New" panose="020B0500040200020003" pitchFamily="34" charset="-34"/>
-              </a:rPr>
-              <a:t>ยาก เนื่องจากระบบโครงสร้างของไฟล์ </a:t>
-            </a:r>
-            <a:r>
-              <a:rPr lang="en-US" sz="2800" dirty="0" smtClean="0">
-                <a:latin typeface="TH Sarabun New" panose="020B0500040200020003" pitchFamily="34" charset="-34"/>
-                <a:cs typeface="TH Sarabun New" panose="020B0500040200020003" pitchFamily="34" charset="-34"/>
-              </a:rPr>
-              <a:t>PDF </a:t>
-            </a:r>
-            <a:r>
-              <a:rPr lang="th-TH" sz="2800" dirty="0" smtClean="0">
-                <a:latin typeface="TH Sarabun New" panose="020B0500040200020003" pitchFamily="34" charset="-34"/>
-                <a:cs typeface="TH Sarabun New" panose="020B0500040200020003" pitchFamily="34" charset="-34"/>
-              </a:rPr>
-              <a:t>ทำให้การแบ่ง </a:t>
-            </a:r>
-            <a:r>
-              <a:rPr lang="en-US" sz="2800" dirty="0" smtClean="0">
-                <a:latin typeface="TH Sarabun New" panose="020B0500040200020003" pitchFamily="34" charset="-34"/>
-                <a:cs typeface="TH Sarabun New" panose="020B0500040200020003" pitchFamily="34" charset="-34"/>
-              </a:rPr>
-              <a:t>paragraph </a:t>
-            </a:r>
-            <a:r>
-              <a:rPr lang="th-TH" sz="2800" dirty="0" smtClean="0">
-                <a:latin typeface="TH Sarabun New" panose="020B0500040200020003" pitchFamily="34" charset="-34"/>
-                <a:cs typeface="TH Sarabun New" panose="020B0500040200020003" pitchFamily="34" charset="-34"/>
-              </a:rPr>
-              <a:t>เกิดข้อผิดพลาดได้ง่าย</a:t>
-            </a:r>
-            <a:endParaRPr lang="en-US" sz="2800" dirty="0">
+            <a:r>
+              <a:rPr lang="en-US" sz="3200" dirty="0" smtClean="0">
+                <a:latin typeface="TH Sarabun New" panose="020B0500040200020003" pitchFamily="34" charset="-34"/>
+                <a:cs typeface="TH Sarabun New" panose="020B0500040200020003" pitchFamily="34" charset="-34"/>
+              </a:rPr>
+              <a:t>Web server/database setup</a:t>
+            </a:r>
+          </a:p>
+          <a:p>
+            <a:pPr lvl="1"/>
+            <a:r>
+              <a:rPr lang="en-US" sz="3200" dirty="0" smtClean="0">
+                <a:latin typeface="TH Sarabun New" panose="020B0500040200020003" pitchFamily="34" charset="-34"/>
+                <a:cs typeface="TH Sarabun New" panose="020B0500040200020003" pitchFamily="34" charset="-34"/>
+              </a:rPr>
+              <a:t>PHP Web server : completed</a:t>
+            </a:r>
+          </a:p>
+          <a:p>
+            <a:pPr lvl="1"/>
+            <a:r>
+              <a:rPr lang="en-US" sz="3200" dirty="0" smtClean="0">
+                <a:latin typeface="TH Sarabun New" panose="020B0500040200020003" pitchFamily="34" charset="-34"/>
+                <a:cs typeface="TH Sarabun New" panose="020B0500040200020003" pitchFamily="34" charset="-34"/>
+              </a:rPr>
+              <a:t>Database : partly completed (some tables are not available yet)</a:t>
+            </a:r>
+          </a:p>
+          <a:p>
+            <a:r>
+              <a:rPr lang="en-US" sz="3200" dirty="0">
+                <a:latin typeface="TH Sarabun New" panose="020B0500040200020003" pitchFamily="34" charset="-34"/>
+                <a:cs typeface="TH Sarabun New" panose="020B0500040200020003" pitchFamily="34" charset="-34"/>
+              </a:rPr>
+              <a:t>Website</a:t>
+            </a:r>
+          </a:p>
+          <a:p>
+            <a:pPr lvl="1"/>
+            <a:r>
+              <a:rPr lang="en-US" sz="3200" dirty="0">
+                <a:latin typeface="TH Sarabun New" panose="020B0500040200020003" pitchFamily="34" charset="-34"/>
+                <a:cs typeface="TH Sarabun New" panose="020B0500040200020003" pitchFamily="34" charset="-34"/>
+              </a:rPr>
+              <a:t>Features available </a:t>
+            </a:r>
+          </a:p>
+          <a:p>
+            <a:pPr lvl="2"/>
+            <a:r>
+              <a:rPr lang="en-US" sz="3200" dirty="0">
+                <a:latin typeface="TH Sarabun New" panose="020B0500040200020003" pitchFamily="34" charset="-34"/>
+                <a:cs typeface="TH Sarabun New" panose="020B0500040200020003" pitchFamily="34" charset="-34"/>
+              </a:rPr>
+              <a:t>Upload file and store to Apache Impala</a:t>
+            </a:r>
+          </a:p>
+          <a:p>
+            <a:pPr lvl="2"/>
+            <a:r>
+              <a:rPr lang="en-US" sz="3200" dirty="0">
+                <a:latin typeface="TH Sarabun New" panose="020B0500040200020003" pitchFamily="34" charset="-34"/>
+                <a:cs typeface="TH Sarabun New" panose="020B0500040200020003" pitchFamily="34" charset="-34"/>
+              </a:rPr>
+              <a:t>Almost every page available (without function)</a:t>
+            </a:r>
+          </a:p>
+          <a:p>
+            <a:pPr lvl="1"/>
+            <a:endParaRPr lang="en-US" sz="3000" dirty="0" smtClean="0">
               <a:latin typeface="TH Sarabun New" panose="020B0500040200020003" pitchFamily="34" charset="-34"/>
               <a:cs typeface="TH Sarabun New" panose="020B0500040200020003" pitchFamily="34" charset="-34"/>
             </a:endParaRPr>
@@ -10229,7 +10179,7 @@
     </p:spTree>
     <p:extLst>
       <p:ext uri="{BB962C8B-B14F-4D97-AF65-F5344CB8AC3E}">
-        <p14:creationId xmlns:p14="http://schemas.microsoft.com/office/powerpoint/2010/main" val="1938126046"/>
+        <p14:creationId xmlns:p14="http://schemas.microsoft.com/office/powerpoint/2010/main" val="2738467852"/>
       </p:ext>
     </p:extLst>
   </p:cSld>
@@ -10274,7 +10224,7 @@
           <a:lstStyle/>
           <a:p>
             <a:r>
-              <a:rPr lang="en-US" sz="4500" dirty="0" smtClean="0"/>
+              <a:rPr lang="en-US" sz="4500" dirty="0"/>
               <a:t>Project progress</a:t>
             </a:r>
             <a:endParaRPr lang="th-TH" sz="4500" dirty="0"/>
@@ -10294,7 +10244,7 @@
         <p:spPr/>
         <p:txBody>
           <a:bodyPr>
-            <a:normAutofit fontScale="92500" lnSpcReduction="20000"/>
+            <a:normAutofit/>
           </a:bodyPr>
           <a:lstStyle/>
           <a:p>
@@ -10303,81 +10253,78 @@
                 <a:latin typeface="TH Sarabun New" panose="020B0500040200020003" pitchFamily="34" charset="-34"/>
                 <a:cs typeface="TH Sarabun New" panose="020B0500040200020003" pitchFamily="34" charset="-34"/>
               </a:rPr>
-              <a:t>Web server/database setup</a:t>
+              <a:t>Data preprocessing</a:t>
             </a:r>
           </a:p>
           <a:p>
             <a:pPr lvl="1"/>
             <a:r>
+              <a:rPr lang="en-US" sz="3000" dirty="0" smtClean="0">
+                <a:latin typeface="TH Sarabun New" panose="020B0500040200020003" pitchFamily="34" charset="-34"/>
+                <a:cs typeface="TH Sarabun New" panose="020B0500040200020003" pitchFamily="34" charset="-34"/>
+              </a:rPr>
+              <a:t>Document to text file : completed</a:t>
+            </a:r>
+          </a:p>
+          <a:p>
+            <a:pPr lvl="1"/>
+            <a:r>
+              <a:rPr lang="en-US" sz="3000" dirty="0" smtClean="0">
+                <a:latin typeface="TH Sarabun New" panose="020B0500040200020003" pitchFamily="34" charset="-34"/>
+                <a:cs typeface="TH Sarabun New" panose="020B0500040200020003" pitchFamily="34" charset="-34"/>
+              </a:rPr>
+              <a:t>Paragraph separation : completed</a:t>
+            </a:r>
+          </a:p>
+          <a:p>
+            <a:pPr lvl="1"/>
+            <a:r>
+              <a:rPr lang="en-US" sz="3000" dirty="0" smtClean="0">
+                <a:latin typeface="TH Sarabun New" panose="020B0500040200020003" pitchFamily="34" charset="-34"/>
+                <a:cs typeface="TH Sarabun New" panose="020B0500040200020003" pitchFamily="34" charset="-34"/>
+              </a:rPr>
+              <a:t>Word segmentation : completed</a:t>
+            </a:r>
+          </a:p>
+          <a:p>
+            <a:pPr lvl="1"/>
+            <a:r>
+              <a:rPr lang="en-US" sz="3000" dirty="0" smtClean="0">
+                <a:latin typeface="TH Sarabun New" panose="020B0500040200020003" pitchFamily="34" charset="-34"/>
+                <a:cs typeface="TH Sarabun New" panose="020B0500040200020003" pitchFamily="34" charset="-34"/>
+              </a:rPr>
+              <a:t>Word-to-vector : </a:t>
+            </a:r>
+            <a:r>
+              <a:rPr lang="en-US" sz="3000" dirty="0">
+                <a:latin typeface="TH Sarabun New" panose="020B0500040200020003" pitchFamily="34" charset="-34"/>
+                <a:cs typeface="TH Sarabun New" panose="020B0500040200020003" pitchFamily="34" charset="-34"/>
+              </a:rPr>
+              <a:t>i</a:t>
+            </a:r>
+            <a:r>
+              <a:rPr lang="en-US" sz="3000" dirty="0" smtClean="0">
+                <a:latin typeface="TH Sarabun New" panose="020B0500040200020003" pitchFamily="34" charset="-34"/>
+                <a:cs typeface="TH Sarabun New" panose="020B0500040200020003" pitchFamily="34" charset="-34"/>
+              </a:rPr>
+              <a:t>n progress (with Thai language)</a:t>
+            </a:r>
+          </a:p>
+          <a:p>
+            <a:r>
               <a:rPr lang="en-US" sz="3200" dirty="0" smtClean="0">
                 <a:latin typeface="TH Sarabun New" panose="020B0500040200020003" pitchFamily="34" charset="-34"/>
                 <a:cs typeface="TH Sarabun New" panose="020B0500040200020003" pitchFamily="34" charset="-34"/>
               </a:rPr>
-              <a:t>PHP Web server : completed</a:t>
-            </a:r>
-          </a:p>
-          <a:p>
-            <a:pPr lvl="1"/>
-            <a:r>
-              <a:rPr lang="en-US" sz="3200" dirty="0" smtClean="0">
-                <a:latin typeface="TH Sarabun New" panose="020B0500040200020003" pitchFamily="34" charset="-34"/>
-                <a:cs typeface="TH Sarabun New" panose="020B0500040200020003" pitchFamily="34" charset="-34"/>
-              </a:rPr>
-              <a:t>Database : partly completed (some tables are not available yet)</a:t>
-            </a:r>
-          </a:p>
-          <a:p>
-            <a:r>
-              <a:rPr lang="en-US" sz="3200" dirty="0">
-                <a:latin typeface="TH Sarabun New" panose="020B0500040200020003" pitchFamily="34" charset="-34"/>
-                <a:cs typeface="TH Sarabun New" panose="020B0500040200020003" pitchFamily="34" charset="-34"/>
-              </a:rPr>
-              <a:t>Website</a:t>
-            </a:r>
-          </a:p>
-          <a:p>
-            <a:pPr lvl="1"/>
-            <a:r>
-              <a:rPr lang="en-US" sz="3200" dirty="0">
-                <a:latin typeface="TH Sarabun New" panose="020B0500040200020003" pitchFamily="34" charset="-34"/>
-                <a:cs typeface="TH Sarabun New" panose="020B0500040200020003" pitchFamily="34" charset="-34"/>
-              </a:rPr>
-              <a:t>Features available </a:t>
-            </a:r>
-          </a:p>
-          <a:p>
-            <a:pPr lvl="2"/>
-            <a:r>
-              <a:rPr lang="en-US" sz="3200" dirty="0">
-                <a:latin typeface="TH Sarabun New" panose="020B0500040200020003" pitchFamily="34" charset="-34"/>
-                <a:cs typeface="TH Sarabun New" panose="020B0500040200020003" pitchFamily="34" charset="-34"/>
-              </a:rPr>
-              <a:t>Upload file and store to Apache Impala</a:t>
-            </a:r>
-          </a:p>
-          <a:p>
-            <a:pPr lvl="2"/>
-            <a:r>
-              <a:rPr lang="en-US" sz="3200" dirty="0">
-                <a:latin typeface="TH Sarabun New" panose="020B0500040200020003" pitchFamily="34" charset="-34"/>
-                <a:cs typeface="TH Sarabun New" panose="020B0500040200020003" pitchFamily="34" charset="-34"/>
-              </a:rPr>
-              <a:t>Almost every page available (without function)</a:t>
-            </a:r>
-          </a:p>
-          <a:p>
-            <a:pPr lvl="1"/>
-            <a:endParaRPr lang="en-US" sz="3000" dirty="0" smtClean="0">
-              <a:latin typeface="TH Sarabun New" panose="020B0500040200020003" pitchFamily="34" charset="-34"/>
-              <a:cs typeface="TH Sarabun New" panose="020B0500040200020003" pitchFamily="34" charset="-34"/>
-            </a:endParaRPr>
+              <a:t>Classification model : considering algorithm</a:t>
+            </a:r>
           </a:p>
         </p:txBody>
       </p:sp>
     </p:spTree>
     <p:extLst>
       <p:ext uri="{BB962C8B-B14F-4D97-AF65-F5344CB8AC3E}">
-        <p14:creationId xmlns:p14="http://schemas.microsoft.com/office/powerpoint/2010/main" val="2738467852"/>
+        <p14:creationId xmlns:p14="http://schemas.microsoft.com/office/powerpoint/2010/main" val="4107477990"/>
       </p:ext>
     </p:extLst>
   </p:cSld>
@@ -10416,113 +10363,48 @@
         </p:nvSpPr>
         <p:spPr/>
         <p:txBody>
+          <a:bodyPr/>
+          <a:lstStyle/>
+          <a:p>
+            <a:r>
+              <a:rPr lang="en-US" sz="4500" dirty="0" smtClean="0"/>
+              <a:t>DEMO</a:t>
+            </a:r>
+            <a:endParaRPr lang="th-TH" sz="4500" dirty="0"/>
+          </a:p>
+        </p:txBody>
+      </p:sp>
+      <p:sp>
+        <p:nvSpPr>
+          <p:cNvPr id="3" name="Content Placeholder 2"/>
+          <p:cNvSpPr>
+            <a:spLocks noGrp="1"/>
+          </p:cNvSpPr>
+          <p:nvPr>
+            <p:ph idx="1"/>
+          </p:nvPr>
+        </p:nvSpPr>
+        <p:spPr/>
+        <p:txBody>
           <a:bodyPr>
             <a:normAutofit/>
           </a:bodyPr>
           <a:lstStyle/>
           <a:p>
             <a:r>
-              <a:rPr lang="en-US" sz="4500" dirty="0"/>
-              <a:t>Project progress</a:t>
-            </a:r>
-            <a:endParaRPr lang="th-TH" sz="4500" dirty="0"/>
-          </a:p>
-        </p:txBody>
-      </p:sp>
-      <p:sp>
-        <p:nvSpPr>
-          <p:cNvPr id="3" name="Content Placeholder 2"/>
-          <p:cNvSpPr>
-            <a:spLocks noGrp="1"/>
-          </p:cNvSpPr>
-          <p:nvPr>
-            <p:ph idx="1"/>
-          </p:nvPr>
-        </p:nvSpPr>
-        <p:spPr/>
-        <p:txBody>
-          <a:bodyPr>
-            <a:normAutofit/>
-          </a:bodyPr>
-          <a:lstStyle/>
-          <a:p>
-            <a:r>
               <a:rPr lang="en-US" sz="3200" dirty="0" smtClean="0">
-                <a:latin typeface="TH Sarabun New" panose="020B0500040200020003" pitchFamily="34" charset="-34"/>
-                <a:cs typeface="TH Sarabun New" panose="020B0500040200020003" pitchFamily="34" charset="-34"/>
-              </a:rPr>
-              <a:t>Data preprocessing</a:t>
-            </a:r>
-          </a:p>
-          <a:p>
-            <a:pPr lvl="1"/>
-            <a:r>
-              <a:rPr lang="en-US" sz="3000" dirty="0" smtClean="0">
-                <a:latin typeface="TH Sarabun New" panose="020B0500040200020003" pitchFamily="34" charset="-34"/>
-                <a:cs typeface="TH Sarabun New" panose="020B0500040200020003" pitchFamily="34" charset="-34"/>
-              </a:rPr>
-              <a:t>Document to text file : completed</a:t>
-            </a:r>
-          </a:p>
-          <a:p>
-            <a:pPr lvl="1"/>
-            <a:r>
-              <a:rPr lang="en-US" sz="3000" dirty="0" smtClean="0">
-                <a:latin typeface="TH Sarabun New" panose="020B0500040200020003" pitchFamily="34" charset="-34"/>
-                <a:cs typeface="TH Sarabun New" panose="020B0500040200020003" pitchFamily="34" charset="-34"/>
-              </a:rPr>
-              <a:t>Paragraph separation : completed</a:t>
-            </a:r>
-          </a:p>
-          <a:p>
-            <a:pPr lvl="1"/>
-            <a:r>
-              <a:rPr lang="en-US" sz="3000" dirty="0" smtClean="0">
-                <a:latin typeface="TH Sarabun New" panose="020B0500040200020003" pitchFamily="34" charset="-34"/>
-                <a:cs typeface="TH Sarabun New" panose="020B0500040200020003" pitchFamily="34" charset="-34"/>
-              </a:rPr>
-              <a:t>Word segmentation : completed</a:t>
-            </a:r>
-          </a:p>
-          <a:p>
-            <a:pPr lvl="1"/>
-            <a:r>
-              <a:rPr lang="en-US" sz="3000" dirty="0" smtClean="0">
-                <a:latin typeface="TH Sarabun New" panose="020B0500040200020003" pitchFamily="34" charset="-34"/>
-                <a:cs typeface="TH Sarabun New" panose="020B0500040200020003" pitchFamily="34" charset="-34"/>
-              </a:rPr>
-              <a:t>Word-to-vector : </a:t>
-            </a:r>
-            <a:r>
-              <a:rPr lang="en-US" sz="3000" dirty="0">
-                <a:latin typeface="TH Sarabun New" panose="020B0500040200020003" pitchFamily="34" charset="-34"/>
-                <a:cs typeface="TH Sarabun New" panose="020B0500040200020003" pitchFamily="34" charset="-34"/>
-              </a:rPr>
-              <a:t>i</a:t>
-            </a:r>
-            <a:r>
-              <a:rPr lang="en-US" sz="3000" dirty="0" smtClean="0">
-                <a:latin typeface="TH Sarabun New" panose="020B0500040200020003" pitchFamily="34" charset="-34"/>
-                <a:cs typeface="TH Sarabun New" panose="020B0500040200020003" pitchFamily="34" charset="-34"/>
-              </a:rPr>
-              <a:t>n progress (with Thai language)</a:t>
-            </a:r>
-          </a:p>
-          <a:p>
-            <a:r>
-              <a:rPr lang="en-US" sz="3200" dirty="0" smtClean="0">
-                <a:latin typeface="TH Sarabun New" panose="020B0500040200020003" pitchFamily="34" charset="-34"/>
-                <a:cs typeface="TH Sarabun New" panose="020B0500040200020003" pitchFamily="34" charset="-34"/>
-              </a:rPr>
-              <a:t>Classification model : considering algorithm</a:t>
-            </a:r>
+                <a:hlinkClick r:id="rId2"/>
+              </a:rPr>
+              <a:t>http://thaiautotag.win/mainpage.html</a:t>
+            </a:r>
+            <a:endParaRPr lang="th-TH" sz="3200" dirty="0"/>
           </a:p>
         </p:txBody>
       </p:sp>
     </p:spTree>
     <p:extLst>
       <p:ext uri="{BB962C8B-B14F-4D97-AF65-F5344CB8AC3E}">
-        <p14:creationId xmlns:p14="http://schemas.microsoft.com/office/powerpoint/2010/main" val="4107477990"/>
+        <p14:creationId xmlns:p14="http://schemas.microsoft.com/office/powerpoint/2010/main" val="2150280497"/>
       </p:ext>
     </p:extLst>
   </p:cSld>
@@ -10559,30 +10441,12 @@
             <p:ph type="title"/>
           </p:nvPr>
         </p:nvSpPr>
-        <p:spPr/>
-        <p:txBody>
-          <a:bodyPr/>
-          <a:lstStyle/>
-          <a:p>
-            <a:r>
-              <a:rPr lang="en-US" sz="4500" dirty="0" smtClean="0"/>
-              <a:t>DEMO</a:t>
-            </a:r>
-            <a:endParaRPr lang="th-TH" sz="4500" dirty="0"/>
-          </a:p>
-        </p:txBody>
-      </p:sp>
-      <p:sp>
-        <p:nvSpPr>
-          <p:cNvPr id="3" name="Content Placeholder 2"/>
-          <p:cNvSpPr>
-            <a:spLocks noGrp="1"/>
-          </p:cNvSpPr>
-          <p:nvPr>
-            <p:ph idx="1"/>
-          </p:nvPr>
-        </p:nvSpPr>
-        <p:spPr/>
+        <p:spPr>
+          <a:xfrm>
+            <a:off x="300251" y="0"/>
+            <a:ext cx="10131425" cy="1456267"/>
+          </a:xfrm>
+        </p:spPr>
         <p:txBody>
           <a:bodyPr>
             <a:normAutofit/>
@@ -10590,19 +10454,46 @@
           <a:lstStyle/>
           <a:p>
             <a:r>
-              <a:rPr lang="en-US" sz="3200" dirty="0" smtClean="0">
-                <a:hlinkClick r:id="rId2" action="ppaction://hlinkfile"/>
-              </a:rPr>
-              <a:t>http://thaiautotag.win/mainpage.html</a:t>
-            </a:r>
-            <a:endParaRPr lang="th-TH" sz="3200" dirty="0"/>
-          </a:p>
-        </p:txBody>
-      </p:sp>
+              <a:rPr lang="en-US" sz="4500" dirty="0" smtClean="0"/>
+              <a:t>Search result</a:t>
+            </a:r>
+            <a:endParaRPr lang="th-TH" sz="4500" dirty="0"/>
+          </a:p>
+        </p:txBody>
+      </p:sp>
+      <p:pic>
+        <p:nvPicPr>
+          <p:cNvPr id="4" name="Content Placeholder 3"/>
+          <p:cNvPicPr>
+            <a:picLocks noGrp="1" noChangeAspect="1"/>
+          </p:cNvPicPr>
+          <p:nvPr>
+            <p:ph idx="1"/>
+          </p:nvPr>
+        </p:nvPicPr>
+        <p:blipFill>
+          <a:blip r:embed="rId2">
+            <a:extLst>
+              <a:ext uri="{28A0092B-C50C-407E-A947-70E740481C1C}">
+                <a14:useLocalDpi xmlns:a14="http://schemas.microsoft.com/office/drawing/2010/main" val="0"/>
+              </a:ext>
+            </a:extLst>
+          </a:blip>
+          <a:stretch>
+            <a:fillRect/>
+          </a:stretch>
+        </p:blipFill>
+        <p:spPr>
+          <a:xfrm>
+            <a:off x="1330404" y="1022421"/>
+            <a:ext cx="9328497" cy="5726500"/>
+          </a:xfrm>
+        </p:spPr>
+      </p:pic>
     </p:spTree>
     <p:extLst>
       <p:ext uri="{BB962C8B-B14F-4D97-AF65-F5344CB8AC3E}">
-        <p14:creationId xmlns:p14="http://schemas.microsoft.com/office/powerpoint/2010/main" val="2150280497"/>
+        <p14:creationId xmlns:p14="http://schemas.microsoft.com/office/powerpoint/2010/main" val="2247601128"/>
       </p:ext>
     </p:extLst>
   </p:cSld>
@@ -10639,7 +10530,12 @@
             <p:ph type="title"/>
           </p:nvPr>
         </p:nvSpPr>
-        <p:spPr/>
+        <p:spPr>
+          <a:xfrm>
+            <a:off x="309113" y="43827"/>
+            <a:ext cx="10131425" cy="1456267"/>
+          </a:xfrm>
+        </p:spPr>
         <p:txBody>
           <a:bodyPr>
             <a:normAutofit/>
@@ -10648,70 +10544,45 @@
           <a:p>
             <a:r>
               <a:rPr lang="en-US" sz="4500" dirty="0" smtClean="0"/>
-              <a:t>Problems</a:t>
+              <a:t>Document detail</a:t>
             </a:r>
             <a:endParaRPr lang="th-TH" sz="4500" dirty="0"/>
           </a:p>
         </p:txBody>
       </p:sp>
-      <p:sp>
-        <p:nvSpPr>
-          <p:cNvPr id="3" name="Content Placeholder 2"/>
-          <p:cNvSpPr>
-            <a:spLocks noGrp="1"/>
-          </p:cNvSpPr>
+      <p:pic>
+        <p:nvPicPr>
+          <p:cNvPr id="4" name="Content Placeholder 3"/>
+          <p:cNvPicPr>
+            <a:picLocks noGrp="1" noChangeAspect="1"/>
+          </p:cNvPicPr>
           <p:nvPr>
             <p:ph idx="1"/>
           </p:nvPr>
-        </p:nvSpPr>
-        <p:spPr/>
-        <p:txBody>
-          <a:bodyPr>
-            <a:normAutofit/>
-          </a:bodyPr>
-          <a:lstStyle/>
-          <a:p>
-            <a:r>
-              <a:rPr lang="en-US" sz="3200" dirty="0" smtClean="0">
-                <a:latin typeface="TH Sarabun New" panose="020B0500040200020003" pitchFamily="34" charset="-34"/>
-                <a:cs typeface="TH Sarabun New" panose="020B0500040200020003" pitchFamily="34" charset="-34"/>
-              </a:rPr>
-              <a:t>Database : some data is not consistent yet so we can’t make attributes for tables.</a:t>
-            </a:r>
-          </a:p>
-          <a:p>
-            <a:r>
-              <a:rPr lang="en-US" sz="3200" dirty="0" smtClean="0">
-                <a:latin typeface="TH Sarabun New" panose="020B0500040200020003" pitchFamily="34" charset="-34"/>
-                <a:cs typeface="TH Sarabun New" panose="020B0500040200020003" pitchFamily="34" charset="-34"/>
-              </a:rPr>
-              <a:t>Paragraph splitting : some text formations might make incorrect separations</a:t>
-            </a:r>
-          </a:p>
-          <a:p>
-            <a:r>
-              <a:rPr lang="en-US" sz="3200" dirty="0" smtClean="0">
-                <a:latin typeface="TH Sarabun New" panose="020B0500040200020003" pitchFamily="34" charset="-34"/>
-                <a:cs typeface="TH Sarabun New" panose="020B0500040200020003" pitchFamily="34" charset="-34"/>
-              </a:rPr>
-              <a:t>PHP-Java connector : have a problem to send huge text from Java to PHP and from PHP back to Java</a:t>
-            </a:r>
-          </a:p>
-          <a:p>
-            <a:r>
-              <a:rPr lang="en-US" sz="3200" dirty="0" smtClean="0">
-                <a:latin typeface="TH Sarabun New" panose="020B0500040200020003" pitchFamily="34" charset="-34"/>
-                <a:cs typeface="TH Sarabun New" panose="020B0500040200020003" pitchFamily="34" charset="-34"/>
-              </a:rPr>
-              <a:t>Word-to-vector : have a problem in converting Thai text to vector</a:t>
-            </a:r>
-          </a:p>
-        </p:txBody>
-      </p:sp>
+        </p:nvPicPr>
+        <p:blipFill>
+          <a:blip r:embed="rId2">
+            <a:extLst>
+              <a:ext uri="{28A0092B-C50C-407E-A947-70E740481C1C}">
+                <a14:useLocalDpi xmlns:a14="http://schemas.microsoft.com/office/drawing/2010/main" val="0"/>
+              </a:ext>
+            </a:extLst>
+          </a:blip>
+          <a:stretch>
+            <a:fillRect/>
+          </a:stretch>
+        </p:blipFill>
+        <p:spPr>
+          <a:xfrm>
+            <a:off x="1469169" y="1090661"/>
+            <a:ext cx="9162436" cy="5599793"/>
+          </a:xfrm>
+        </p:spPr>
+      </p:pic>
     </p:spTree>
     <p:extLst>
       <p:ext uri="{BB962C8B-B14F-4D97-AF65-F5344CB8AC3E}">
-        <p14:creationId xmlns:p14="http://schemas.microsoft.com/office/powerpoint/2010/main" val="598885968"/>
+        <p14:creationId xmlns:p14="http://schemas.microsoft.com/office/powerpoint/2010/main" val="1066131924"/>
       </p:ext>
     </p:extLst>
   </p:cSld>
@@ -10944,6 +10815,115 @@
           <a:p>
             <a:r>
               <a:rPr lang="en-US" sz="4500" dirty="0" smtClean="0"/>
+              <a:t>Problems</a:t>
+            </a:r>
+            <a:endParaRPr lang="th-TH" sz="4500" dirty="0"/>
+          </a:p>
+        </p:txBody>
+      </p:sp>
+      <p:sp>
+        <p:nvSpPr>
+          <p:cNvPr id="3" name="Content Placeholder 2"/>
+          <p:cNvSpPr>
+            <a:spLocks noGrp="1"/>
+          </p:cNvSpPr>
+          <p:nvPr>
+            <p:ph idx="1"/>
+          </p:nvPr>
+        </p:nvSpPr>
+        <p:spPr/>
+        <p:txBody>
+          <a:bodyPr>
+            <a:normAutofit/>
+          </a:bodyPr>
+          <a:lstStyle/>
+          <a:p>
+            <a:r>
+              <a:rPr lang="en-US" sz="3200" dirty="0" smtClean="0">
+                <a:latin typeface="TH Sarabun New" panose="020B0500040200020003" pitchFamily="34" charset="-34"/>
+                <a:cs typeface="TH Sarabun New" panose="020B0500040200020003" pitchFamily="34" charset="-34"/>
+              </a:rPr>
+              <a:t>Database : some data is not consistent yet so we can’t make attributes for tables.</a:t>
+            </a:r>
+          </a:p>
+          <a:p>
+            <a:r>
+              <a:rPr lang="en-US" sz="3200" dirty="0" smtClean="0">
+                <a:latin typeface="TH Sarabun New" panose="020B0500040200020003" pitchFamily="34" charset="-34"/>
+                <a:cs typeface="TH Sarabun New" panose="020B0500040200020003" pitchFamily="34" charset="-34"/>
+              </a:rPr>
+              <a:t>Paragraph splitting : some text formations might make incorrect separations</a:t>
+            </a:r>
+          </a:p>
+          <a:p>
+            <a:r>
+              <a:rPr lang="en-US" sz="3200" dirty="0" smtClean="0">
+                <a:latin typeface="TH Sarabun New" panose="020B0500040200020003" pitchFamily="34" charset="-34"/>
+                <a:cs typeface="TH Sarabun New" panose="020B0500040200020003" pitchFamily="34" charset="-34"/>
+              </a:rPr>
+              <a:t>PHP-Java connector : have a problem to send huge text from Java to PHP and from PHP back to Java</a:t>
+            </a:r>
+          </a:p>
+          <a:p>
+            <a:r>
+              <a:rPr lang="en-US" sz="3200" dirty="0" smtClean="0">
+                <a:latin typeface="TH Sarabun New" panose="020B0500040200020003" pitchFamily="34" charset="-34"/>
+                <a:cs typeface="TH Sarabun New" panose="020B0500040200020003" pitchFamily="34" charset="-34"/>
+              </a:rPr>
+              <a:t>Word-to-vector : have a problem in converting Thai text to vector</a:t>
+            </a:r>
+          </a:p>
+        </p:txBody>
+      </p:sp>
+    </p:spTree>
+    <p:extLst>
+      <p:ext uri="{BB962C8B-B14F-4D97-AF65-F5344CB8AC3E}">
+        <p14:creationId xmlns:p14="http://schemas.microsoft.com/office/powerpoint/2010/main" val="598885968"/>
+      </p:ext>
+    </p:extLst>
+  </p:cSld>
+  <p:clrMapOvr>
+    <a:masterClrMapping/>
+  </p:clrMapOvr>
+</p:sld>
+</file>
+
+<file path=ppt/slides/slide31.xml><?xml version="1.0" encoding="utf-8"?>
+<p:sld xmlns:a="http://schemas.openxmlformats.org/drawingml/2006/main" xmlns:r="http://schemas.openxmlformats.org/officeDocument/2006/relationships" xmlns:p="http://schemas.openxmlformats.org/presentationml/2006/main">
+  <p:cSld>
+    <p:spTree>
+      <p:nvGrpSpPr>
+        <p:cNvPr id="1" name=""/>
+        <p:cNvGrpSpPr/>
+        <p:nvPr/>
+      </p:nvGrpSpPr>
+      <p:grpSpPr>
+        <a:xfrm>
+          <a:off x="0" y="0"/>
+          <a:ext cx="0" cy="0"/>
+          <a:chOff x="0" y="0"/>
+          <a:chExt cx="0" cy="0"/>
+        </a:xfrm>
+      </p:grpSpPr>
+      <p:sp>
+        <p:nvSpPr>
+          <p:cNvPr id="2" name="Title 1"/>
+          <p:cNvSpPr>
+            <a:spLocks noGrp="1"/>
+          </p:cNvSpPr>
+          <p:nvPr>
+            <p:ph type="title"/>
+          </p:nvPr>
+        </p:nvSpPr>
+        <p:spPr/>
+        <p:txBody>
+          <a:bodyPr>
+            <a:normAutofit/>
+          </a:bodyPr>
+          <a:lstStyle/>
+          <a:p>
+            <a:r>
+              <a:rPr lang="en-US" sz="4500" dirty="0" smtClean="0"/>
               <a:t>Term 2 plan</a:t>
             </a:r>
             <a:endParaRPr lang="th-TH" sz="4500" dirty="0"/>
@@ -11021,7 +11001,7 @@
 </p:sld>
 </file>
 
-<file path=ppt/slides/slide31.xml><?xml version="1.0" encoding="utf-8"?>
+<file path=ppt/slides/slide32.xml><?xml version="1.0" encoding="utf-8"?>
 <p:sld xmlns:a="http://schemas.openxmlformats.org/drawingml/2006/main" xmlns:r="http://schemas.openxmlformats.org/officeDocument/2006/relationships" xmlns:p="http://schemas.openxmlformats.org/presentationml/2006/main">
   <p:cSld>
     <p:spTree>
@@ -11171,8 +11151,8 @@
         </p:nvSpPr>
         <p:spPr>
           <a:xfrm>
-            <a:off x="685800" y="2266028"/>
-            <a:ext cx="10131425" cy="3649133"/>
+            <a:off x="685801" y="1774209"/>
+            <a:ext cx="10131425" cy="2735233"/>
           </a:xfrm>
         </p:spPr>
         <p:txBody>
@@ -11201,80 +11181,66 @@
                 <a:latin typeface="TH Sarabun New" panose="020B0500040200020003" pitchFamily="34" charset="-34"/>
                 <a:cs typeface="TH Sarabun New" panose="020B0500040200020003" pitchFamily="34" charset="-34"/>
               </a:rPr>
-              <a:t>และดึงข้อความภาษาไทยในแต่ละย่อหน้า</a:t>
-            </a:r>
+              <a:t>และดึงข้อความภาษาไทยในแต่ละย่อหน้าออกมา</a:t>
+            </a:r>
+          </a:p>
+          <a:p>
+            <a:pPr lvl="0"/>
             <a:r>
               <a:rPr lang="th-TH" sz="2800" dirty="0" smtClean="0">
                 <a:latin typeface="TH Sarabun New" panose="020B0500040200020003" pitchFamily="34" charset="-34"/>
                 <a:cs typeface="TH Sarabun New" panose="020B0500040200020003" pitchFamily="34" charset="-34"/>
               </a:rPr>
-              <a:t>ออกมา</a:t>
-            </a:r>
-          </a:p>
-          <a:p>
-            <a:pPr lvl="0"/>
+              <a:t>สร้าง </a:t>
+            </a:r>
+            <a:r>
+              <a:rPr lang="en-US" sz="2800" dirty="0" smtClean="0">
+                <a:latin typeface="TH Sarabun New" panose="020B0500040200020003" pitchFamily="34" charset="-34"/>
+                <a:cs typeface="TH Sarabun New" panose="020B0500040200020003" pitchFamily="34" charset="-34"/>
+              </a:rPr>
+              <a:t>Machine learning model </a:t>
+            </a:r>
             <a:r>
               <a:rPr lang="th-TH" sz="2800" dirty="0" smtClean="0">
                 <a:latin typeface="TH Sarabun New" panose="020B0500040200020003" pitchFamily="34" charset="-34"/>
                 <a:cs typeface="TH Sarabun New" panose="020B0500040200020003" pitchFamily="34" charset="-34"/>
               </a:rPr>
-              <a:t>สร้าง </a:t>
+              <a:t>ที่สามารถรับข้อมูลจากไฟล์</a:t>
             </a:r>
             <a:r>
               <a:rPr lang="en-US" sz="2800" dirty="0" smtClean="0">
                 <a:latin typeface="TH Sarabun New" panose="020B0500040200020003" pitchFamily="34" charset="-34"/>
                 <a:cs typeface="TH Sarabun New" panose="020B0500040200020003" pitchFamily="34" charset="-34"/>
               </a:rPr>
-              <a:t>Machine learning model </a:t>
+              <a:t> text </a:t>
             </a:r>
             <a:r>
               <a:rPr lang="th-TH" sz="2800" dirty="0" smtClean="0">
                 <a:latin typeface="TH Sarabun New" panose="020B0500040200020003" pitchFamily="34" charset="-34"/>
                 <a:cs typeface="TH Sarabun New" panose="020B0500040200020003" pitchFamily="34" charset="-34"/>
               </a:rPr>
-              <a:t>ที่สามารถรับข้อมูลจากไฟล์</a:t>
+              <a:t>ภาษาไทย และทำการติด </a:t>
             </a:r>
             <a:r>
               <a:rPr lang="en-US" sz="2800" dirty="0" smtClean="0">
                 <a:latin typeface="TH Sarabun New" panose="020B0500040200020003" pitchFamily="34" charset="-34"/>
                 <a:cs typeface="TH Sarabun New" panose="020B0500040200020003" pitchFamily="34" charset="-34"/>
               </a:rPr>
-              <a:t> text </a:t>
+              <a:t>tag </a:t>
             </a:r>
             <a:r>
               <a:rPr lang="th-TH" sz="2800" dirty="0" smtClean="0">
                 <a:latin typeface="TH Sarabun New" panose="020B0500040200020003" pitchFamily="34" charset="-34"/>
                 <a:cs typeface="TH Sarabun New" panose="020B0500040200020003" pitchFamily="34" charset="-34"/>
               </a:rPr>
-              <a:t>ภาษาไทย และทำการติด </a:t>
+              <a:t>สำหรับแต่ละย่อหน้า โดยวิธีการ</a:t>
             </a:r>
             <a:r>
               <a:rPr lang="en-US" sz="2800" dirty="0" smtClean="0">
                 <a:latin typeface="TH Sarabun New" panose="020B0500040200020003" pitchFamily="34" charset="-34"/>
                 <a:cs typeface="TH Sarabun New" panose="020B0500040200020003" pitchFamily="34" charset="-34"/>
               </a:rPr>
-              <a:t>tag </a:t>
-            </a:r>
-            <a:r>
-              <a:rPr lang="th-TH" sz="2800" dirty="0" smtClean="0">
-                <a:latin typeface="TH Sarabun New" panose="020B0500040200020003" pitchFamily="34" charset="-34"/>
-                <a:cs typeface="TH Sarabun New" panose="020B0500040200020003" pitchFamily="34" charset="-34"/>
-              </a:rPr>
-              <a:t>สำหรับแต่ละย่อหน้า โดยวิธีการ</a:t>
-            </a:r>
-            <a:r>
-              <a:rPr lang="en-US" sz="2800" dirty="0" smtClean="0">
-                <a:latin typeface="TH Sarabun New" panose="020B0500040200020003" pitchFamily="34" charset="-34"/>
-                <a:cs typeface="TH Sarabun New" panose="020B0500040200020003" pitchFamily="34" charset="-34"/>
-              </a:rPr>
-              <a:t> supervised </a:t>
-            </a:r>
-            <a:r>
-              <a:rPr lang="en-US" sz="2800" dirty="0" smtClean="0">
-                <a:latin typeface="TH Sarabun New" panose="020B0500040200020003" pitchFamily="34" charset="-34"/>
-                <a:cs typeface="TH Sarabun New" panose="020B0500040200020003" pitchFamily="34" charset="-34"/>
-              </a:rPr>
-              <a:t>classification</a:t>
+              <a:t> supervised classification</a:t>
             </a:r>
           </a:p>
         </p:txBody>
@@ -12016,8 +11982,19 @@
                 <a:latin typeface="TH Sarabun New" panose="020B0500040200020003" pitchFamily="34" charset="-34"/>
                 <a:cs typeface="TH Sarabun New" panose="020B0500040200020003" pitchFamily="34" charset="-34"/>
               </a:rPr>
-              <a:t> Thai word Segmentation </a:t>
-            </a:r>
+              <a:t> Thai word </a:t>
+            </a:r>
+            <a:r>
+              <a:rPr lang="en-US" sz="2800" dirty="0" smtClean="0">
+                <a:latin typeface="TH Sarabun New" panose="020B0500040200020003" pitchFamily="34" charset="-34"/>
+                <a:cs typeface="TH Sarabun New" panose="020B0500040200020003" pitchFamily="34" charset="-34"/>
+              </a:rPr>
+              <a:t>Segmentation using crowdsourcing </a:t>
+            </a:r>
+            <a:endParaRPr lang="en-US" sz="2800" dirty="0" smtClean="0">
+              <a:latin typeface="TH Sarabun New" panose="020B0500040200020003" pitchFamily="34" charset="-34"/>
+              <a:cs typeface="TH Sarabun New" panose="020B0500040200020003" pitchFamily="34" charset="-34"/>
+            </a:endParaRPr>
           </a:p>
           <a:p>
             <a:r>
